--- a/Apps in Myanmar.pptx
+++ b/Apps in Myanmar.pptx
@@ -2,7 +2,7 @@
 <file path=ppt/presentation.xml><?xml version="1.0" encoding="utf-8"?>
 <p:presentation xmlns:a="http://schemas.openxmlformats.org/drawingml/2006/main" xmlns:r="http://schemas.openxmlformats.org/officeDocument/2006/relationships" xmlns:p="http://schemas.openxmlformats.org/presentationml/2006/main" saveSubsetFonts="1">
   <p:sldMasterIdLst>
-    <p:sldMasterId id="2147483660" r:id="rId1"/>
+    <p:sldMasterId id="2147483972" r:id="rId1"/>
   </p:sldMasterIdLst>
   <p:sldIdLst>
     <p:sldId id="256" r:id="rId2"/>
@@ -17,13 +17,14 @@
     <p:sldId id="265" r:id="rId11"/>
     <p:sldId id="267" r:id="rId12"/>
     <p:sldId id="268" r:id="rId13"/>
-    <p:sldId id="269" r:id="rId14"/>
-    <p:sldId id="272" r:id="rId15"/>
-    <p:sldId id="273" r:id="rId16"/>
-    <p:sldId id="270" r:id="rId17"/>
-    <p:sldId id="271" r:id="rId18"/>
-    <p:sldId id="266" r:id="rId19"/>
-    <p:sldId id="274" r:id="rId20"/>
+    <p:sldId id="275" r:id="rId14"/>
+    <p:sldId id="269" r:id="rId15"/>
+    <p:sldId id="272" r:id="rId16"/>
+    <p:sldId id="273" r:id="rId17"/>
+    <p:sldId id="270" r:id="rId18"/>
+    <p:sldId id="271" r:id="rId19"/>
+    <p:sldId id="266" r:id="rId20"/>
+    <p:sldId id="274" r:id="rId21"/>
   </p:sldIdLst>
   <p:sldSz cx="9144000" cy="6858000" type="screen4x3"/>
   <p:notesSz cx="6858000" cy="9144000"/>
@@ -236,7 +237,7 @@
           <a:p>
             <a:fld id="{C49D5499-D10E-4DF7-80DF-8A6389A3BA7B}" type="datetimeFigureOut">
               <a:rPr lang="en-US" smtClean="0"/>
-              <a:t>9/3/2018</a:t>
+              <a:t>9/4/2018</a:t>
             </a:fld>
             <a:endParaRPr lang="en-US"/>
           </a:p>
@@ -462,7 +463,7 @@
           <a:p>
             <a:fld id="{C49D5499-D10E-4DF7-80DF-8A6389A3BA7B}" type="datetimeFigureOut">
               <a:rPr lang="en-US" smtClean="0"/>
-              <a:t>9/3/2018</a:t>
+              <a:t>9/4/2018</a:t>
             </a:fld>
             <a:endParaRPr lang="en-US"/>
           </a:p>
@@ -637,7 +638,7 @@
           <a:p>
             <a:fld id="{C49D5499-D10E-4DF7-80DF-8A6389A3BA7B}" type="datetimeFigureOut">
               <a:rPr lang="en-US" smtClean="0"/>
-              <a:t>9/3/2018</a:t>
+              <a:t>9/4/2018</a:t>
             </a:fld>
             <a:endParaRPr lang="en-US"/>
           </a:p>
@@ -802,7 +803,7 @@
           <a:p>
             <a:fld id="{C49D5499-D10E-4DF7-80DF-8A6389A3BA7B}" type="datetimeFigureOut">
               <a:rPr lang="en-US" smtClean="0"/>
-              <a:t>9/3/2018</a:t>
+              <a:t>9/4/2018</a:t>
             </a:fld>
             <a:endParaRPr lang="en-US"/>
           </a:p>
@@ -1046,7 +1047,7 @@
           <a:p>
             <a:fld id="{C49D5499-D10E-4DF7-80DF-8A6389A3BA7B}" type="datetimeFigureOut">
               <a:rPr lang="en-US" smtClean="0"/>
-              <a:t>9/3/2018</a:t>
+              <a:t>9/4/2018</a:t>
             </a:fld>
             <a:endParaRPr lang="en-US"/>
           </a:p>
@@ -1310,7 +1311,7 @@
           <a:p>
             <a:fld id="{C49D5499-D10E-4DF7-80DF-8A6389A3BA7B}" type="datetimeFigureOut">
               <a:rPr lang="en-US" smtClean="0"/>
-              <a:t>9/3/2018</a:t>
+              <a:t>9/4/2018</a:t>
             </a:fld>
             <a:endParaRPr lang="en-US"/>
           </a:p>
@@ -1684,7 +1685,7 @@
           <a:p>
             <a:fld id="{C49D5499-D10E-4DF7-80DF-8A6389A3BA7B}" type="datetimeFigureOut">
               <a:rPr lang="en-US" smtClean="0"/>
-              <a:t>9/3/2018</a:t>
+              <a:t>9/4/2018</a:t>
             </a:fld>
             <a:endParaRPr lang="en-US"/>
           </a:p>
@@ -1797,7 +1798,7 @@
           <a:p>
             <a:fld id="{C49D5499-D10E-4DF7-80DF-8A6389A3BA7B}" type="datetimeFigureOut">
               <a:rPr lang="en-US" smtClean="0"/>
-              <a:t>9/3/2018</a:t>
+              <a:t>9/4/2018</a:t>
             </a:fld>
             <a:endParaRPr lang="en-US"/>
           </a:p>
@@ -1887,7 +1888,7 @@
           <a:p>
             <a:fld id="{C49D5499-D10E-4DF7-80DF-8A6389A3BA7B}" type="datetimeFigureOut">
               <a:rPr lang="en-US" smtClean="0"/>
-              <a:t>9/3/2018</a:t>
+              <a:t>9/4/2018</a:t>
             </a:fld>
             <a:endParaRPr lang="en-US"/>
           </a:p>
@@ -2145,7 +2146,7 @@
           <a:p>
             <a:fld id="{C49D5499-D10E-4DF7-80DF-8A6389A3BA7B}" type="datetimeFigureOut">
               <a:rPr lang="en-US" smtClean="0"/>
-              <a:t>9/3/2018</a:t>
+              <a:t>9/4/2018</a:t>
             </a:fld>
             <a:endParaRPr lang="en-US"/>
           </a:p>
@@ -2409,7 +2410,7 @@
           <a:p>
             <a:fld id="{C49D5499-D10E-4DF7-80DF-8A6389A3BA7B}" type="datetimeFigureOut">
               <a:rPr lang="en-US" smtClean="0"/>
-              <a:t>9/3/2018</a:t>
+              <a:t>9/4/2018</a:t>
             </a:fld>
             <a:endParaRPr lang="en-US"/>
           </a:p>
@@ -2626,7 +2627,7 @@
           <a:p>
             <a:fld id="{C49D5499-D10E-4DF7-80DF-8A6389A3BA7B}" type="datetimeFigureOut">
               <a:rPr lang="en-US" smtClean="0"/>
-              <a:t>9/3/2018</a:t>
+              <a:t>9/4/2018</a:t>
             </a:fld>
             <a:endParaRPr lang="en-US"/>
           </a:p>
@@ -2714,17 +2715,17 @@
   </p:cSld>
   <p:clrMap bg1="dk1" tx1="lt1" bg2="dk2" tx2="lt2" accent1="accent1" accent2="accent2" accent3="accent3" accent4="accent4" accent5="accent5" accent6="accent6" hlink="hlink" folHlink="folHlink"/>
   <p:sldLayoutIdLst>
-    <p:sldLayoutId id="2147483661" r:id="rId1"/>
-    <p:sldLayoutId id="2147483662" r:id="rId2"/>
-    <p:sldLayoutId id="2147483663" r:id="rId3"/>
-    <p:sldLayoutId id="2147483664" r:id="rId4"/>
-    <p:sldLayoutId id="2147483665" r:id="rId5"/>
-    <p:sldLayoutId id="2147483666" r:id="rId6"/>
-    <p:sldLayoutId id="2147483667" r:id="rId7"/>
-    <p:sldLayoutId id="2147483668" r:id="rId8"/>
-    <p:sldLayoutId id="2147483669" r:id="rId9"/>
-    <p:sldLayoutId id="2147483670" r:id="rId10"/>
-    <p:sldLayoutId id="2147483671" r:id="rId11"/>
+    <p:sldLayoutId id="2147483973" r:id="rId1"/>
+    <p:sldLayoutId id="2147483974" r:id="rId2"/>
+    <p:sldLayoutId id="2147483975" r:id="rId3"/>
+    <p:sldLayoutId id="2147483976" r:id="rId4"/>
+    <p:sldLayoutId id="2147483977" r:id="rId5"/>
+    <p:sldLayoutId id="2147483978" r:id="rId6"/>
+    <p:sldLayoutId id="2147483979" r:id="rId7"/>
+    <p:sldLayoutId id="2147483980" r:id="rId8"/>
+    <p:sldLayoutId id="2147483981" r:id="rId9"/>
+    <p:sldLayoutId id="2147483982" r:id="rId10"/>
+    <p:sldLayoutId id="2147483983" r:id="rId11"/>
   </p:sldLayoutIdLst>
   <p:txStyles>
     <p:titleStyle>
@@ -3233,13 +3234,13 @@
           <a:lstStyle/>
           <a:p>
             <a:r>
-              <a:rPr lang="en-US" sz="2800" dirty="0" smtClean="0">
+              <a:rPr lang="en-US" sz="2800" i="1" dirty="0" smtClean="0">
                 <a:latin typeface="Times New Roman" pitchFamily="18" charset="0"/>
                 <a:cs typeface="Times New Roman" pitchFamily="18" charset="0"/>
               </a:rPr>
               <a:t>Use case Diagram</a:t>
             </a:r>
-            <a:endParaRPr lang="en-US" sz="2800" dirty="0">
+            <a:endParaRPr lang="en-US" sz="2800" i="1" dirty="0">
               <a:latin typeface="Times New Roman" pitchFamily="18" charset="0"/>
               <a:cs typeface="Times New Roman" pitchFamily="18" charset="0"/>
             </a:endParaRPr>
@@ -3269,8 +3270,8 @@
         </p:blipFill>
         <p:spPr bwMode="auto">
           <a:xfrm>
-            <a:off x="878898" y="990600"/>
-            <a:ext cx="7524750" cy="5514975"/>
+            <a:off x="843482" y="990602"/>
+            <a:ext cx="7797667" cy="5714998"/>
           </a:xfrm>
           <a:prstGeom prst="rect">
             <a:avLst/>
@@ -3359,7 +3360,7 @@
         </p:nvSpPr>
         <p:spPr>
           <a:xfrm>
-            <a:off x="609600" y="533400"/>
+            <a:off x="609600" y="533402"/>
             <a:ext cx="8229600" cy="810491"/>
           </a:xfrm>
         </p:spPr>
@@ -3407,8 +3408,8 @@
         </p:blipFill>
         <p:spPr bwMode="auto">
           <a:xfrm>
-            <a:off x="717839" y="1905000"/>
-            <a:ext cx="7639050" cy="3971925"/>
+            <a:off x="717840" y="1905001"/>
+            <a:ext cx="7639051" cy="3971925"/>
           </a:xfrm>
           <a:prstGeom prst="rect">
             <a:avLst/>
@@ -3619,7 +3620,7 @@
         </p:blipFill>
         <p:spPr bwMode="auto">
           <a:xfrm>
-            <a:off x="152400" y="1530927"/>
+            <a:off x="152400" y="1530929"/>
             <a:ext cx="8839200" cy="5091113"/>
           </a:xfrm>
           <a:prstGeom prst="rect">
@@ -3783,13 +3784,103 @@
             <p:ph type="title"/>
           </p:nvPr>
         </p:nvSpPr>
-        <p:spPr/>
+        <p:spPr>
+          <a:xfrm>
+            <a:off x="457200" y="274638"/>
+            <a:ext cx="7772400" cy="792162"/>
+          </a:xfrm>
+        </p:spPr>
         <p:txBody>
           <a:bodyPr>
             <a:normAutofit/>
           </a:bodyPr>
           <a:lstStyle/>
           <a:p>
+            <a:r>
+              <a:rPr lang="en-US" sz="2400" i="1" dirty="0" smtClean="0"/>
+              <a:t>App Item in Home Page of Apps In Myanmar</a:t>
+            </a:r>
+            <a:endParaRPr lang="en-US" sz="2400" i="1" dirty="0"/>
+          </a:p>
+        </p:txBody>
+      </p:sp>
+      <p:pic>
+        <p:nvPicPr>
+          <p:cNvPr id="4" name="Picture 3"/>
+          <p:cNvPicPr>
+            <a:picLocks noChangeAspect="1"/>
+          </p:cNvPicPr>
+          <p:nvPr/>
+        </p:nvPicPr>
+        <p:blipFill>
+          <a:blip r:embed="rId2">
+            <a:extLst>
+              <a:ext uri="{28A0092B-C50C-407E-A947-70E740481C1C}">
+                <a14:useLocalDpi xmlns:a14="http://schemas.microsoft.com/office/drawing/2010/main" val="0"/>
+              </a:ext>
+            </a:extLst>
+          </a:blip>
+          <a:stretch>
+            <a:fillRect/>
+          </a:stretch>
+        </p:blipFill>
+        <p:spPr>
+          <a:xfrm>
+            <a:off x="76200" y="1524000"/>
+            <a:ext cx="8927825" cy="4529270"/>
+          </a:xfrm>
+          <a:prstGeom prst="rect">
+            <a:avLst/>
+          </a:prstGeom>
+        </p:spPr>
+      </p:pic>
+    </p:spTree>
+    <p:extLst>
+      <p:ext uri="{BB962C8B-B14F-4D97-AF65-F5344CB8AC3E}">
+        <p14:creationId xmlns:p14="http://schemas.microsoft.com/office/powerpoint/2010/main" val="1498914119"/>
+      </p:ext>
+    </p:extLst>
+  </p:cSld>
+  <p:clrMapOvr>
+    <a:masterClrMapping/>
+  </p:clrMapOvr>
+</p:sld>
+</file>
+
+<file path=ppt/slides/slide14.xml><?xml version="1.0" encoding="utf-8"?>
+<p:sld xmlns:a="http://schemas.openxmlformats.org/drawingml/2006/main" xmlns:r="http://schemas.openxmlformats.org/officeDocument/2006/relationships" xmlns:p="http://schemas.openxmlformats.org/presentationml/2006/main">
+  <p:cSld>
+    <p:spTree>
+      <p:nvGrpSpPr>
+        <p:cNvPr id="1" name=""/>
+        <p:cNvGrpSpPr/>
+        <p:nvPr/>
+      </p:nvGrpSpPr>
+      <p:grpSpPr>
+        <a:xfrm>
+          <a:off x="0" y="0"/>
+          <a:ext cx="0" cy="0"/>
+          <a:chOff x="0" y="0"/>
+          <a:chExt cx="0" cy="0"/>
+        </a:xfrm>
+      </p:grpSpPr>
+      <p:sp>
+        <p:nvSpPr>
+          <p:cNvPr id="2" name="Title 1"/>
+          <p:cNvSpPr>
+            <a:spLocks noGrp="1"/>
+          </p:cNvSpPr>
+          <p:nvPr>
+            <p:ph type="title"/>
+          </p:nvPr>
+        </p:nvSpPr>
+        <p:spPr/>
+        <p:txBody>
+          <a:bodyPr>
+            <a:normAutofit/>
+          </a:bodyPr>
+          <a:lstStyle/>
+          <a:p>
             <a:pPr algn="l"/>
             <a:r>
               <a:rPr lang="en-US" sz="2400" i="1" dirty="0" smtClean="0">
@@ -3797,6 +3888,133 @@
                 <a:cs typeface="Times New Roman" pitchFamily="18" charset="0"/>
               </a:rPr>
               <a:t>Login and Sign in for Apps in Myanmar</a:t>
+            </a:r>
+            <a:endParaRPr lang="en-US" sz="2400" i="1" dirty="0">
+              <a:latin typeface="Times New Roman" pitchFamily="18" charset="0"/>
+              <a:cs typeface="Times New Roman" pitchFamily="18" charset="0"/>
+            </a:endParaRPr>
+          </a:p>
+        </p:txBody>
+      </p:sp>
+      <p:pic>
+        <p:nvPicPr>
+          <p:cNvPr id="2050" name="Picture 2"/>
+          <p:cNvPicPr>
+            <a:picLocks noChangeAspect="1" noChangeArrowheads="1"/>
+          </p:cNvPicPr>
+          <p:nvPr/>
+        </p:nvPicPr>
+        <p:blipFill>
+          <a:blip r:embed="rId2">
+            <a:extLst>
+              <a:ext uri="{28A0092B-C50C-407E-A947-70E740481C1C}">
+                <a14:useLocalDpi xmlns:a14="http://schemas.microsoft.com/office/drawing/2010/main" val="0"/>
+              </a:ext>
+            </a:extLst>
+          </a:blip>
+          <a:srcRect/>
+          <a:stretch>
+            <a:fillRect/>
+          </a:stretch>
+        </p:blipFill>
+        <p:spPr bwMode="auto">
+          <a:xfrm>
+            <a:off x="228600" y="1600200"/>
+            <a:ext cx="8064406" cy="4305300"/>
+          </a:xfrm>
+          <a:prstGeom prst="rect">
+            <a:avLst/>
+          </a:prstGeom>
+          <a:noFill/>
+          <a:ln>
+            <a:noFill/>
+          </a:ln>
+          <a:extLst>
+            <a:ext uri="{909E8E84-426E-40DD-AFC4-6F175D3DCCD1}">
+              <a14:hiddenFill xmlns:a14="http://schemas.microsoft.com/office/drawing/2010/main">
+                <a:solidFill>
+                  <a:schemeClr val="accent1"/>
+                </a:solidFill>
+              </a14:hiddenFill>
+            </a:ext>
+            <a:ext uri="{91240B29-F687-4F45-9708-019B960494DF}">
+              <a14:hiddenLine xmlns:a14="http://schemas.microsoft.com/office/drawing/2010/main" w="9525">
+                <a:solidFill>
+                  <a:schemeClr val="tx1"/>
+                </a:solidFill>
+                <a:miter lim="800000"/>
+                <a:headEnd/>
+                <a:tailEnd/>
+              </a14:hiddenLine>
+            </a:ext>
+          </a:extLst>
+        </p:spPr>
+      </p:pic>
+    </p:spTree>
+    <p:extLst>
+      <p:ext uri="{BB962C8B-B14F-4D97-AF65-F5344CB8AC3E}">
+        <p14:creationId xmlns:p14="http://schemas.microsoft.com/office/powerpoint/2010/main" val="2090471286"/>
+      </p:ext>
+    </p:extLst>
+  </p:cSld>
+  <p:clrMapOvr>
+    <a:masterClrMapping/>
+  </p:clrMapOvr>
+  <p:timing>
+    <p:tnLst>
+      <p:par>
+        <p:cTn id="1" dur="indefinite" restart="never" nodeType="tmRoot"/>
+      </p:par>
+    </p:tnLst>
+  </p:timing>
+</p:sld>
+</file>
+
+<file path=ppt/slides/slide15.xml><?xml version="1.0" encoding="utf-8"?>
+<p:sld xmlns:a="http://schemas.openxmlformats.org/drawingml/2006/main" xmlns:r="http://schemas.openxmlformats.org/officeDocument/2006/relationships" xmlns:p="http://schemas.openxmlformats.org/presentationml/2006/main">
+  <p:cSld>
+    <p:spTree>
+      <p:nvGrpSpPr>
+        <p:cNvPr id="1" name=""/>
+        <p:cNvGrpSpPr/>
+        <p:nvPr/>
+      </p:nvGrpSpPr>
+      <p:grpSpPr>
+        <a:xfrm>
+          <a:off x="0" y="0"/>
+          <a:ext cx="0" cy="0"/>
+          <a:chOff x="0" y="0"/>
+          <a:chExt cx="0" cy="0"/>
+        </a:xfrm>
+      </p:grpSpPr>
+      <p:sp>
+        <p:nvSpPr>
+          <p:cNvPr id="2" name="Title 1"/>
+          <p:cNvSpPr>
+            <a:spLocks noGrp="1"/>
+          </p:cNvSpPr>
+          <p:nvPr>
+            <p:ph type="title"/>
+          </p:nvPr>
+        </p:nvSpPr>
+        <p:spPr>
+          <a:xfrm>
+            <a:off x="381000" y="0"/>
+            <a:ext cx="8229600" cy="838200"/>
+          </a:xfrm>
+        </p:spPr>
+        <p:txBody>
+          <a:bodyPr>
+            <a:normAutofit/>
+          </a:bodyPr>
+          <a:lstStyle/>
+          <a:p>
+            <a:r>
+              <a:rPr lang="en-US" sz="2400" i="1" dirty="0" smtClean="0">
+                <a:latin typeface="Times New Roman" pitchFamily="18" charset="0"/>
+                <a:cs typeface="Times New Roman" pitchFamily="18" charset="0"/>
+              </a:rPr>
+              <a:t>Admin Page of Apps in Myanmar</a:t>
             </a:r>
             <a:endParaRPr lang="en-US" sz="2400" i="1" dirty="0">
               <a:latin typeface="Times New Roman" pitchFamily="18" charset="0"/>
@@ -3828,8 +4046,8 @@
         </p:blipFill>
         <p:spPr bwMode="auto">
           <a:xfrm>
-            <a:off x="152400" y="1609725"/>
-            <a:ext cx="8839200" cy="5248275"/>
+            <a:off x="76200" y="1311966"/>
+            <a:ext cx="8915400" cy="4721192"/>
           </a:xfrm>
           <a:prstGeom prst="rect">
             <a:avLst/>
@@ -3838,7 +4056,6 @@
           <a:ln>
             <a:noFill/>
           </a:ln>
-          <a:effectLst/>
           <a:extLst>
             <a:ext uri="{909E8E84-426E-40DD-AFC4-6F175D3DCCD1}">
               <a14:hiddenFill xmlns:a14="http://schemas.microsoft.com/office/drawing/2010/main">
@@ -3857,22 +4074,13 @@
                 <a:tailEnd/>
               </a14:hiddenLine>
             </a:ext>
-            <a:ext uri="{AF507438-7753-43E0-B8FC-AC1667EBCBE1}">
-              <a14:hiddenEffects xmlns:a14="http://schemas.microsoft.com/office/drawing/2010/main">
-                <a:effectLst>
-                  <a:outerShdw dist="35921" dir="2700000" algn="ctr" rotWithShape="0">
-                    <a:schemeClr val="bg2"/>
-                  </a:outerShdw>
-                </a:effectLst>
-              </a14:hiddenEffects>
-            </a:ext>
           </a:extLst>
         </p:spPr>
       </p:pic>
     </p:spTree>
     <p:extLst>
       <p:ext uri="{BB962C8B-B14F-4D97-AF65-F5344CB8AC3E}">
-        <p14:creationId xmlns:p14="http://schemas.microsoft.com/office/powerpoint/2010/main" val="2090471286"/>
+        <p14:creationId xmlns:p14="http://schemas.microsoft.com/office/powerpoint/2010/main" val="2100869323"/>
       </p:ext>
     </p:extLst>
   </p:cSld>
@@ -3882,90 +4090,14 @@
   <p:timing>
     <p:tnLst>
       <p:par>
-        <p:cTn id="1" dur="indefinite" restart="never" nodeType="tmRoot">
-          <p:childTnLst>
-            <p:seq concurrent="1" nextAc="seek">
-              <p:cTn id="2" dur="indefinite" nodeType="mainSeq">
-                <p:childTnLst>
-                  <p:par>
-                    <p:cTn id="3" fill="hold">
-                      <p:stCondLst>
-                        <p:cond delay="indefinite"/>
-                      </p:stCondLst>
-                      <p:childTnLst>
-                        <p:par>
-                          <p:cTn id="4" fill="hold">
-                            <p:stCondLst>
-                              <p:cond delay="0"/>
-                            </p:stCondLst>
-                            <p:childTnLst>
-                              <p:par>
-                                <p:cTn id="5" presetID="22" presetClass="entr" presetSubtype="4" fill="hold" nodeType="clickEffect">
-                                  <p:stCondLst>
-                                    <p:cond delay="0"/>
-                                  </p:stCondLst>
-                                  <p:childTnLst>
-                                    <p:set>
-                                      <p:cBhvr>
-                                        <p:cTn id="6" dur="1" fill="hold">
-                                          <p:stCondLst>
-                                            <p:cond delay="0"/>
-                                          </p:stCondLst>
-                                        </p:cTn>
-                                        <p:tgtEl>
-                                          <p:spTgt spid="3"/>
-                                        </p:tgtEl>
-                                        <p:attrNameLst>
-                                          <p:attrName>style.visibility</p:attrName>
-                                        </p:attrNameLst>
-                                      </p:cBhvr>
-                                      <p:to>
-                                        <p:strVal val="visible"/>
-                                      </p:to>
-                                    </p:set>
-                                    <p:animEffect transition="in" filter="wipe(down)">
-                                      <p:cBhvr>
-                                        <p:cTn id="7" dur="500"/>
-                                        <p:tgtEl>
-                                          <p:spTgt spid="3"/>
-                                        </p:tgtEl>
-                                      </p:cBhvr>
-                                    </p:animEffect>
-                                  </p:childTnLst>
-                                </p:cTn>
-                              </p:par>
-                            </p:childTnLst>
-                          </p:cTn>
-                        </p:par>
-                      </p:childTnLst>
-                    </p:cTn>
-                  </p:par>
-                </p:childTnLst>
-              </p:cTn>
-              <p:prevCondLst>
-                <p:cond evt="onPrev" delay="0">
-                  <p:tgtEl>
-                    <p:sldTgt/>
-                  </p:tgtEl>
-                </p:cond>
-              </p:prevCondLst>
-              <p:nextCondLst>
-                <p:cond evt="onNext" delay="0">
-                  <p:tgtEl>
-                    <p:sldTgt/>
-                  </p:tgtEl>
-                </p:cond>
-              </p:nextCondLst>
-            </p:seq>
-          </p:childTnLst>
-        </p:cTn>
+        <p:cTn id="1" dur="indefinite" restart="never" nodeType="tmRoot"/>
       </p:par>
     </p:tnLst>
   </p:timing>
 </p:sld>
 </file>
 
-<file path=ppt/slides/slide14.xml><?xml version="1.0" encoding="utf-8"?>
+<file path=ppt/slides/slide16.xml><?xml version="1.0" encoding="utf-8"?>
 <p:sld xmlns:a="http://schemas.openxmlformats.org/drawingml/2006/main" xmlns:r="http://schemas.openxmlformats.org/officeDocument/2006/relationships" xmlns:p="http://schemas.openxmlformats.org/presentationml/2006/main">
   <p:cSld>
     <p:spTree>
@@ -3992,12 +4124,7 @@
             <p:ph type="title"/>
           </p:nvPr>
         </p:nvSpPr>
-        <p:spPr>
-          <a:xfrm>
-            <a:off x="381000" y="0"/>
-            <a:ext cx="8229600" cy="838200"/>
-          </a:xfrm>
-        </p:spPr>
+        <p:spPr/>
         <p:txBody>
           <a:bodyPr>
             <a:normAutofit/>
@@ -4009,7 +4136,7 @@
                 <a:latin typeface="Times New Roman" pitchFamily="18" charset="0"/>
                 <a:cs typeface="Times New Roman" pitchFamily="18" charset="0"/>
               </a:rPr>
-              <a:t>Admin Page of Apps in Myanmar</a:t>
+              <a:t>After logout the Admin Page</a:t>
             </a:r>
             <a:endParaRPr lang="en-US" sz="2400" i="1" dirty="0">
               <a:latin typeface="Times New Roman" pitchFamily="18" charset="0"/>
@@ -4020,7 +4147,106 @@
       </p:sp>
       <p:pic>
         <p:nvPicPr>
-          <p:cNvPr id="1026" name="Picture 2"/>
+          <p:cNvPr id="3" name="Picture 2"/>
+          <p:cNvPicPr>
+            <a:picLocks noChangeAspect="1"/>
+          </p:cNvPicPr>
+          <p:nvPr/>
+        </p:nvPicPr>
+        <p:blipFill>
+          <a:blip r:embed="rId2">
+            <a:extLst>
+              <a:ext uri="{28A0092B-C50C-407E-A947-70E740481C1C}">
+                <a14:useLocalDpi xmlns:a14="http://schemas.microsoft.com/office/drawing/2010/main" val="0"/>
+              </a:ext>
+            </a:extLst>
+          </a:blip>
+          <a:stretch>
+            <a:fillRect/>
+          </a:stretch>
+        </p:blipFill>
+        <p:spPr>
+          <a:xfrm>
+            <a:off x="838200" y="1179221"/>
+            <a:ext cx="6934200" cy="5557374"/>
+          </a:xfrm>
+          <a:prstGeom prst="rect">
+            <a:avLst/>
+          </a:prstGeom>
+        </p:spPr>
+      </p:pic>
+    </p:spTree>
+    <p:extLst>
+      <p:ext uri="{BB962C8B-B14F-4D97-AF65-F5344CB8AC3E}">
+        <p14:creationId xmlns:p14="http://schemas.microsoft.com/office/powerpoint/2010/main" val="2228575111"/>
+      </p:ext>
+    </p:extLst>
+  </p:cSld>
+  <p:clrMapOvr>
+    <a:masterClrMapping/>
+  </p:clrMapOvr>
+  <p:timing>
+    <p:tnLst>
+      <p:par>
+        <p:cTn id="1" dur="indefinite" restart="never" nodeType="tmRoot"/>
+      </p:par>
+    </p:tnLst>
+  </p:timing>
+</p:sld>
+</file>
+
+<file path=ppt/slides/slide17.xml><?xml version="1.0" encoding="utf-8"?>
+<p:sld xmlns:a="http://schemas.openxmlformats.org/drawingml/2006/main" xmlns:r="http://schemas.openxmlformats.org/officeDocument/2006/relationships" xmlns:p="http://schemas.openxmlformats.org/presentationml/2006/main">
+  <p:cSld>
+    <p:spTree>
+      <p:nvGrpSpPr>
+        <p:cNvPr id="1" name=""/>
+        <p:cNvGrpSpPr/>
+        <p:nvPr/>
+      </p:nvGrpSpPr>
+      <p:grpSpPr>
+        <a:xfrm>
+          <a:off x="0" y="0"/>
+          <a:ext cx="0" cy="0"/>
+          <a:chOff x="0" y="0"/>
+          <a:chExt cx="0" cy="0"/>
+        </a:xfrm>
+      </p:grpSpPr>
+      <p:sp>
+        <p:nvSpPr>
+          <p:cNvPr id="2" name="Title 1"/>
+          <p:cNvSpPr>
+            <a:spLocks noGrp="1"/>
+          </p:cNvSpPr>
+          <p:nvPr>
+            <p:ph type="title"/>
+          </p:nvPr>
+        </p:nvSpPr>
+        <p:spPr/>
+        <p:txBody>
+          <a:bodyPr>
+            <a:normAutofit/>
+          </a:bodyPr>
+          <a:lstStyle/>
+          <a:p>
+            <a:pPr algn="l"/>
+            <a:r>
+              <a:rPr lang="en-US" sz="2800" i="1" dirty="0" smtClean="0">
+                <a:latin typeface="Times New Roman" pitchFamily="18" charset="0"/>
+                <a:cs typeface="Times New Roman" pitchFamily="18" charset="0"/>
+              </a:rPr>
+              <a:t>Footer of Apps in Myanmar</a:t>
+            </a:r>
+            <a:endParaRPr lang="en-US" sz="2800" i="1" dirty="0">
+              <a:latin typeface="Times New Roman" pitchFamily="18" charset="0"/>
+              <a:cs typeface="Times New Roman" pitchFamily="18" charset="0"/>
+            </a:endParaRPr>
+          </a:p>
+        </p:txBody>
+      </p:sp>
+      <p:pic>
+        <p:nvPicPr>
+          <p:cNvPr id="4099" name="Picture 3"/>
           <p:cNvPicPr>
             <a:picLocks noChangeAspect="1" noChangeArrowheads="1"/>
           </p:cNvPicPr>
@@ -4041,8 +4267,8 @@
         </p:blipFill>
         <p:spPr bwMode="auto">
           <a:xfrm>
-            <a:off x="1981199" y="1066800"/>
-            <a:ext cx="5476875" cy="5619750"/>
+            <a:off x="228600" y="2133600"/>
+            <a:ext cx="8763000" cy="2190750"/>
           </a:xfrm>
           <a:prstGeom prst="rect">
             <a:avLst/>
@@ -4051,7 +4277,6 @@
           <a:ln>
             <a:noFill/>
           </a:ln>
-          <a:effectLst/>
           <a:extLst>
             <a:ext uri="{909E8E84-426E-40DD-AFC4-6F175D3DCCD1}">
               <a14:hiddenFill xmlns:a14="http://schemas.microsoft.com/office/drawing/2010/main">
@@ -4070,32 +4295,30 @@
                 <a:tailEnd/>
               </a14:hiddenLine>
             </a:ext>
-            <a:ext uri="{AF507438-7753-43E0-B8FC-AC1667EBCBE1}">
-              <a14:hiddenEffects xmlns:a14="http://schemas.microsoft.com/office/drawing/2010/main">
-                <a:effectLst>
-                  <a:outerShdw dist="35921" dir="2700000" algn="ctr" rotWithShape="0">
-                    <a:schemeClr val="bg2"/>
-                  </a:outerShdw>
-                </a:effectLst>
-              </a14:hiddenEffects>
-            </a:ext>
           </a:extLst>
         </p:spPr>
       </p:pic>
     </p:spTree>
     <p:extLst>
       <p:ext uri="{BB962C8B-B14F-4D97-AF65-F5344CB8AC3E}">
-        <p14:creationId xmlns:p14="http://schemas.microsoft.com/office/powerpoint/2010/main" val="2100869323"/>
+        <p14:creationId xmlns:p14="http://schemas.microsoft.com/office/powerpoint/2010/main" val="2201371854"/>
       </p:ext>
     </p:extLst>
   </p:cSld>
   <p:clrMapOvr>
     <a:masterClrMapping/>
   </p:clrMapOvr>
+  <p:timing>
+    <p:tnLst>
+      <p:par>
+        <p:cTn id="1" dur="indefinite" restart="never" nodeType="tmRoot"/>
+      </p:par>
+    </p:tnLst>
+  </p:timing>
 </p:sld>
 </file>
 
-<file path=ppt/slides/slide15.xml><?xml version="1.0" encoding="utf-8"?>
+<file path=ppt/slides/slide18.xml><?xml version="1.0" encoding="utf-8"?>
 <p:sld xmlns:a="http://schemas.openxmlformats.org/drawingml/2006/main" xmlns:r="http://schemas.openxmlformats.org/officeDocument/2006/relationships" xmlns:p="http://schemas.openxmlformats.org/presentationml/2006/main">
   <p:cSld>
     <p:spTree>
@@ -4129,138 +4352,13 @@
           </a:bodyPr>
           <a:lstStyle/>
           <a:p>
-            <a:r>
-              <a:rPr lang="en-US" sz="2400" i="1" dirty="0" smtClean="0">
-                <a:latin typeface="Times New Roman" pitchFamily="18" charset="0"/>
-                <a:cs typeface="Times New Roman" pitchFamily="18" charset="0"/>
-              </a:rPr>
-              <a:t>Admin Page of Apps in Myanmar</a:t>
-            </a:r>
-            <a:endParaRPr lang="en-US" sz="2400" i="1" dirty="0">
-              <a:latin typeface="Times New Roman" pitchFamily="18" charset="0"/>
-              <a:cs typeface="Times New Roman" pitchFamily="18" charset="0"/>
-            </a:endParaRPr>
-          </a:p>
-        </p:txBody>
-      </p:sp>
-      <p:pic>
-        <p:nvPicPr>
-          <p:cNvPr id="2050" name="Picture 2"/>
-          <p:cNvPicPr>
-            <a:picLocks noChangeAspect="1" noChangeArrowheads="1"/>
-          </p:cNvPicPr>
-          <p:nvPr/>
-        </p:nvPicPr>
-        <p:blipFill>
-          <a:blip r:embed="rId2">
-            <a:extLst>
-              <a:ext uri="{28A0092B-C50C-407E-A947-70E740481C1C}">
-                <a14:useLocalDpi xmlns:a14="http://schemas.microsoft.com/office/drawing/2010/main" val="0"/>
-              </a:ext>
-            </a:extLst>
-          </a:blip>
-          <a:srcRect/>
-          <a:stretch>
-            <a:fillRect/>
-          </a:stretch>
-        </p:blipFill>
-        <p:spPr bwMode="auto">
-          <a:xfrm>
-            <a:off x="638175" y="2209800"/>
-            <a:ext cx="7867650" cy="2886075"/>
-          </a:xfrm>
-          <a:prstGeom prst="rect">
-            <a:avLst/>
-          </a:prstGeom>
-          <a:noFill/>
-          <a:ln>
-            <a:noFill/>
-          </a:ln>
-          <a:effectLst/>
-          <a:extLst>
-            <a:ext uri="{909E8E84-426E-40DD-AFC4-6F175D3DCCD1}">
-              <a14:hiddenFill xmlns:a14="http://schemas.microsoft.com/office/drawing/2010/main">
-                <a:solidFill>
-                  <a:schemeClr val="accent1"/>
-                </a:solidFill>
-              </a14:hiddenFill>
-            </a:ext>
-            <a:ext uri="{91240B29-F687-4F45-9708-019B960494DF}">
-              <a14:hiddenLine xmlns:a14="http://schemas.microsoft.com/office/drawing/2010/main" w="9525">
-                <a:solidFill>
-                  <a:schemeClr val="tx1"/>
-                </a:solidFill>
-                <a:miter lim="800000"/>
-                <a:headEnd/>
-                <a:tailEnd/>
-              </a14:hiddenLine>
-            </a:ext>
-            <a:ext uri="{AF507438-7753-43E0-B8FC-AC1667EBCBE1}">
-              <a14:hiddenEffects xmlns:a14="http://schemas.microsoft.com/office/drawing/2010/main">
-                <a:effectLst>
-                  <a:outerShdw dist="35921" dir="2700000" algn="ctr" rotWithShape="0">
-                    <a:schemeClr val="bg2"/>
-                  </a:outerShdw>
-                </a:effectLst>
-              </a14:hiddenEffects>
-            </a:ext>
-          </a:extLst>
-        </p:spPr>
-      </p:pic>
-    </p:spTree>
-    <p:extLst>
-      <p:ext uri="{BB962C8B-B14F-4D97-AF65-F5344CB8AC3E}">
-        <p14:creationId xmlns:p14="http://schemas.microsoft.com/office/powerpoint/2010/main" val="2228575111"/>
-      </p:ext>
-    </p:extLst>
-  </p:cSld>
-  <p:clrMapOvr>
-    <a:masterClrMapping/>
-  </p:clrMapOvr>
-</p:sld>
-</file>
-
-<file path=ppt/slides/slide16.xml><?xml version="1.0" encoding="utf-8"?>
-<p:sld xmlns:a="http://schemas.openxmlformats.org/drawingml/2006/main" xmlns:r="http://schemas.openxmlformats.org/officeDocument/2006/relationships" xmlns:p="http://schemas.openxmlformats.org/presentationml/2006/main">
-  <p:cSld>
-    <p:spTree>
-      <p:nvGrpSpPr>
-        <p:cNvPr id="1" name=""/>
-        <p:cNvGrpSpPr/>
-        <p:nvPr/>
-      </p:nvGrpSpPr>
-      <p:grpSpPr>
-        <a:xfrm>
-          <a:off x="0" y="0"/>
-          <a:ext cx="0" cy="0"/>
-          <a:chOff x="0" y="0"/>
-          <a:chExt cx="0" cy="0"/>
-        </a:xfrm>
-      </p:grpSpPr>
-      <p:sp>
-        <p:nvSpPr>
-          <p:cNvPr id="2" name="Title 1"/>
-          <p:cNvSpPr>
-            <a:spLocks noGrp="1"/>
-          </p:cNvSpPr>
-          <p:nvPr>
-            <p:ph type="title"/>
-          </p:nvPr>
-        </p:nvSpPr>
-        <p:spPr/>
-        <p:txBody>
-          <a:bodyPr>
-            <a:normAutofit/>
-          </a:bodyPr>
-          <a:lstStyle/>
-          <a:p>
             <a:pPr algn="l"/>
             <a:r>
               <a:rPr lang="en-US" sz="2800" i="1" dirty="0" smtClean="0">
                 <a:latin typeface="Times New Roman" pitchFamily="18" charset="0"/>
                 <a:cs typeface="Times New Roman" pitchFamily="18" charset="0"/>
               </a:rPr>
-              <a:t>Footer of Apps in Myanmar</a:t>
+              <a:t>About page of  Apps in Myanmar</a:t>
             </a:r>
             <a:endParaRPr lang="en-US" sz="2800" i="1" dirty="0">
               <a:latin typeface="Times New Roman" pitchFamily="18" charset="0"/>
@@ -4292,216 +4390,7 @@
         </p:blipFill>
         <p:spPr bwMode="auto">
           <a:xfrm>
-            <a:off x="1274618" y="2286000"/>
-            <a:ext cx="6019800" cy="4048125"/>
-          </a:xfrm>
-          <a:prstGeom prst="rect">
-            <a:avLst/>
-          </a:prstGeom>
-          <a:noFill/>
-          <a:ln>
-            <a:noFill/>
-          </a:ln>
-          <a:effectLst/>
-          <a:extLst>
-            <a:ext uri="{909E8E84-426E-40DD-AFC4-6F175D3DCCD1}">
-              <a14:hiddenFill xmlns:a14="http://schemas.microsoft.com/office/drawing/2010/main">
-                <a:solidFill>
-                  <a:schemeClr val="accent1"/>
-                </a:solidFill>
-              </a14:hiddenFill>
-            </a:ext>
-            <a:ext uri="{91240B29-F687-4F45-9708-019B960494DF}">
-              <a14:hiddenLine xmlns:a14="http://schemas.microsoft.com/office/drawing/2010/main" w="9525">
-                <a:solidFill>
-                  <a:schemeClr val="tx1"/>
-                </a:solidFill>
-                <a:miter lim="800000"/>
-                <a:headEnd/>
-                <a:tailEnd/>
-              </a14:hiddenLine>
-            </a:ext>
-            <a:ext uri="{AF507438-7753-43E0-B8FC-AC1667EBCBE1}">
-              <a14:hiddenEffects xmlns:a14="http://schemas.microsoft.com/office/drawing/2010/main">
-                <a:effectLst>
-                  <a:outerShdw dist="35921" dir="2700000" algn="ctr" rotWithShape="0">
-                    <a:schemeClr val="bg2"/>
-                  </a:outerShdw>
-                </a:effectLst>
-              </a14:hiddenEffects>
-            </a:ext>
-          </a:extLst>
-        </p:spPr>
-      </p:pic>
-    </p:spTree>
-    <p:extLst>
-      <p:ext uri="{BB962C8B-B14F-4D97-AF65-F5344CB8AC3E}">
-        <p14:creationId xmlns:p14="http://schemas.microsoft.com/office/powerpoint/2010/main" val="2201371854"/>
-      </p:ext>
-    </p:extLst>
-  </p:cSld>
-  <p:clrMapOvr>
-    <a:masterClrMapping/>
-  </p:clrMapOvr>
-  <p:timing>
-    <p:tnLst>
-      <p:par>
-        <p:cTn id="1" dur="indefinite" restart="never" nodeType="tmRoot">
-          <p:childTnLst>
-            <p:seq concurrent="1" nextAc="seek">
-              <p:cTn id="2" dur="indefinite" nodeType="mainSeq">
-                <p:childTnLst>
-                  <p:par>
-                    <p:cTn id="3" fill="hold">
-                      <p:stCondLst>
-                        <p:cond delay="indefinite"/>
-                      </p:stCondLst>
-                      <p:childTnLst>
-                        <p:par>
-                          <p:cTn id="4" fill="hold">
-                            <p:stCondLst>
-                              <p:cond delay="0"/>
-                            </p:stCondLst>
-                            <p:childTnLst>
-                              <p:par>
-                                <p:cTn id="5" presetID="6" presetClass="entr" presetSubtype="16" fill="hold" nodeType="clickEffect">
-                                  <p:stCondLst>
-                                    <p:cond delay="0"/>
-                                  </p:stCondLst>
-                                  <p:childTnLst>
-                                    <p:set>
-                                      <p:cBhvr>
-                                        <p:cTn id="6" dur="1" fill="hold">
-                                          <p:stCondLst>
-                                            <p:cond delay="0"/>
-                                          </p:stCondLst>
-                                        </p:cTn>
-                                        <p:tgtEl>
-                                          <p:spTgt spid="3"/>
-                                        </p:tgtEl>
-                                        <p:attrNameLst>
-                                          <p:attrName>style.visibility</p:attrName>
-                                        </p:attrNameLst>
-                                      </p:cBhvr>
-                                      <p:to>
-                                        <p:strVal val="visible"/>
-                                      </p:to>
-                                    </p:set>
-                                    <p:animEffect transition="in" filter="circle(in)">
-                                      <p:cBhvr>
-                                        <p:cTn id="7" dur="2000"/>
-                                        <p:tgtEl>
-                                          <p:spTgt spid="3"/>
-                                        </p:tgtEl>
-                                      </p:cBhvr>
-                                    </p:animEffect>
-                                  </p:childTnLst>
-                                </p:cTn>
-                              </p:par>
-                            </p:childTnLst>
-                          </p:cTn>
-                        </p:par>
-                      </p:childTnLst>
-                    </p:cTn>
-                  </p:par>
-                </p:childTnLst>
-              </p:cTn>
-              <p:prevCondLst>
-                <p:cond evt="onPrev" delay="0">
-                  <p:tgtEl>
-                    <p:sldTgt/>
-                  </p:tgtEl>
-                </p:cond>
-              </p:prevCondLst>
-              <p:nextCondLst>
-                <p:cond evt="onNext" delay="0">
-                  <p:tgtEl>
-                    <p:sldTgt/>
-                  </p:tgtEl>
-                </p:cond>
-              </p:nextCondLst>
-            </p:seq>
-          </p:childTnLst>
-        </p:cTn>
-      </p:par>
-    </p:tnLst>
-  </p:timing>
-</p:sld>
-</file>
-
-<file path=ppt/slides/slide17.xml><?xml version="1.0" encoding="utf-8"?>
-<p:sld xmlns:a="http://schemas.openxmlformats.org/drawingml/2006/main" xmlns:r="http://schemas.openxmlformats.org/officeDocument/2006/relationships" xmlns:p="http://schemas.openxmlformats.org/presentationml/2006/main">
-  <p:cSld>
-    <p:spTree>
-      <p:nvGrpSpPr>
-        <p:cNvPr id="1" name=""/>
-        <p:cNvGrpSpPr/>
-        <p:nvPr/>
-      </p:nvGrpSpPr>
-      <p:grpSpPr>
-        <a:xfrm>
-          <a:off x="0" y="0"/>
-          <a:ext cx="0" cy="0"/>
-          <a:chOff x="0" y="0"/>
-          <a:chExt cx="0" cy="0"/>
-        </a:xfrm>
-      </p:grpSpPr>
-      <p:sp>
-        <p:nvSpPr>
-          <p:cNvPr id="2" name="Title 1"/>
-          <p:cNvSpPr>
-            <a:spLocks noGrp="1"/>
-          </p:cNvSpPr>
-          <p:nvPr>
-            <p:ph type="title"/>
-          </p:nvPr>
-        </p:nvSpPr>
-        <p:spPr/>
-        <p:txBody>
-          <a:bodyPr>
-            <a:normAutofit/>
-          </a:bodyPr>
-          <a:lstStyle/>
-          <a:p>
-            <a:pPr algn="l"/>
-            <a:r>
-              <a:rPr lang="en-US" sz="2800" i="1" dirty="0" smtClean="0">
-                <a:latin typeface="Times New Roman" pitchFamily="18" charset="0"/>
-                <a:cs typeface="Times New Roman" pitchFamily="18" charset="0"/>
-              </a:rPr>
-              <a:t>About page of  Apps in Myanmar</a:t>
-            </a:r>
-            <a:endParaRPr lang="en-US" sz="2800" i="1" dirty="0">
-              <a:latin typeface="Times New Roman" pitchFamily="18" charset="0"/>
-              <a:cs typeface="Times New Roman" pitchFamily="18" charset="0"/>
-            </a:endParaRPr>
-          </a:p>
-        </p:txBody>
-      </p:sp>
-      <p:pic>
-        <p:nvPicPr>
-          <p:cNvPr id="3" name="Picture 2"/>
-          <p:cNvPicPr>
-            <a:picLocks noChangeAspect="1" noChangeArrowheads="1"/>
-          </p:cNvPicPr>
-          <p:nvPr/>
-        </p:nvPicPr>
-        <p:blipFill>
-          <a:blip r:embed="rId2">
-            <a:extLst>
-              <a:ext uri="{28A0092B-C50C-407E-A947-70E740481C1C}">
-                <a14:useLocalDpi xmlns:a14="http://schemas.microsoft.com/office/drawing/2010/main" val="0"/>
-              </a:ext>
-            </a:extLst>
-          </a:blip>
-          <a:srcRect/>
-          <a:stretch>
-            <a:fillRect/>
-          </a:stretch>
-        </p:blipFill>
-        <p:spPr bwMode="auto">
-          <a:xfrm>
-            <a:off x="685800" y="1752600"/>
+            <a:off x="685802" y="1752602"/>
             <a:ext cx="7439025" cy="4791075"/>
           </a:xfrm>
           <a:prstGeom prst="rect">
@@ -4684,142 +4573,6 @@
 </p:sld>
 </file>
 
-<file path=ppt/slides/slide18.xml><?xml version="1.0" encoding="utf-8"?>
-<p:sld xmlns:a="http://schemas.openxmlformats.org/drawingml/2006/main" xmlns:r="http://schemas.openxmlformats.org/officeDocument/2006/relationships" xmlns:p="http://schemas.openxmlformats.org/presentationml/2006/main">
-  <p:cSld>
-    <p:spTree>
-      <p:nvGrpSpPr>
-        <p:cNvPr id="1" name=""/>
-        <p:cNvGrpSpPr/>
-        <p:nvPr/>
-      </p:nvGrpSpPr>
-      <p:grpSpPr>
-        <a:xfrm>
-          <a:off x="0" y="0"/>
-          <a:ext cx="0" cy="0"/>
-          <a:chOff x="0" y="0"/>
-          <a:chExt cx="0" cy="0"/>
-        </a:xfrm>
-      </p:grpSpPr>
-      <p:sp>
-        <p:nvSpPr>
-          <p:cNvPr id="2" name="Title 1"/>
-          <p:cNvSpPr>
-            <a:spLocks noGrp="1"/>
-          </p:cNvSpPr>
-          <p:nvPr>
-            <p:ph type="title"/>
-          </p:nvPr>
-        </p:nvSpPr>
-        <p:spPr/>
-        <p:txBody>
-          <a:bodyPr>
-            <a:normAutofit/>
-          </a:bodyPr>
-          <a:lstStyle/>
-          <a:p>
-            <a:r>
-              <a:rPr lang="en-US" sz="2800" dirty="0" smtClean="0">
-                <a:latin typeface="Times New Roman" pitchFamily="18" charset="0"/>
-                <a:cs typeface="Times New Roman" pitchFamily="18" charset="0"/>
-              </a:rPr>
-              <a:t>Conclusion</a:t>
-            </a:r>
-            <a:endParaRPr lang="en-US" sz="2800" dirty="0">
-              <a:latin typeface="Times New Roman" pitchFamily="18" charset="0"/>
-              <a:cs typeface="Times New Roman" pitchFamily="18" charset="0"/>
-            </a:endParaRPr>
-          </a:p>
-        </p:txBody>
-      </p:sp>
-      <p:sp>
-        <p:nvSpPr>
-          <p:cNvPr id="3" name="Content Placeholder 2"/>
-          <p:cNvSpPr>
-            <a:spLocks noGrp="1"/>
-          </p:cNvSpPr>
-          <p:nvPr>
-            <p:ph idx="1"/>
-          </p:nvPr>
-        </p:nvSpPr>
-        <p:spPr/>
-        <p:txBody>
-          <a:bodyPr>
-            <a:normAutofit/>
-          </a:bodyPr>
-          <a:lstStyle/>
-          <a:p>
-            <a:pPr marL="137160" indent="0">
-              <a:buNone/>
-            </a:pPr>
-            <a:r>
-              <a:rPr lang="en-US" sz="1800" dirty="0">
-                <a:latin typeface="Times New Roman" pitchFamily="18" charset="0"/>
-                <a:cs typeface="Times New Roman" pitchFamily="18" charset="0"/>
-              </a:rPr>
-              <a:t>Application in Myanmar(AIM) assists in automating the existing manual system. This is a paperless work. It can be monitored and controlled remotely. It provides accurate information always. The application together gathered detail information can be saved and can be accessed at any time. So it is better to have a Web Based Information system. </a:t>
-            </a:r>
-          </a:p>
-          <a:p>
-            <a:pPr marL="137160" indent="0">
-              <a:buNone/>
-            </a:pPr>
-            <a:r>
-              <a:rPr lang="en-US" sz="1800" dirty="0">
-                <a:latin typeface="Times New Roman" pitchFamily="18" charset="0"/>
-                <a:cs typeface="Times New Roman" pitchFamily="18" charset="0"/>
-              </a:rPr>
-              <a:t>	 The authentication of this system is protected by login form. Therefore, only authorized persons (Admin or Hostel owners) can manage the application  information. Normal users can only see the information.</a:t>
-            </a:r>
-          </a:p>
-          <a:p>
-            <a:pPr marL="137160" indent="0">
-              <a:buNone/>
-            </a:pPr>
-            <a:r>
-              <a:rPr lang="en-US" sz="1800" dirty="0">
-                <a:latin typeface="Times New Roman" pitchFamily="18" charset="0"/>
-                <a:cs typeface="Times New Roman" pitchFamily="18" charset="0"/>
-              </a:rPr>
-              <a:t>	All the user can get the required  information without delay. This system is essential in searching application developed by Myanmar . AIM supports for user-friendly and up-to-date application information. </a:t>
-            </a:r>
-            <a:r>
-              <a:rPr lang="en-US" sz="1800" dirty="0" smtClean="0">
-                <a:latin typeface="Times New Roman" pitchFamily="18" charset="0"/>
-                <a:cs typeface="Times New Roman" pitchFamily="18" charset="0"/>
-              </a:rPr>
-              <a:t>Moreover, with </a:t>
-            </a:r>
-            <a:r>
-              <a:rPr lang="en-US" sz="1800" dirty="0">
-                <a:latin typeface="Times New Roman" pitchFamily="18" charset="0"/>
-                <a:cs typeface="Times New Roman" pitchFamily="18" charset="0"/>
-              </a:rPr>
-              <a:t>the help of this web based app,  not only user  can get the application info but also the application can easily be downloaded.</a:t>
-            </a:r>
-          </a:p>
-        </p:txBody>
-      </p:sp>
-    </p:spTree>
-    <p:extLst>
-      <p:ext uri="{BB962C8B-B14F-4D97-AF65-F5344CB8AC3E}">
-        <p14:creationId xmlns:p14="http://schemas.microsoft.com/office/powerpoint/2010/main" val="123218795"/>
-      </p:ext>
-    </p:extLst>
-  </p:cSld>
-  <p:clrMapOvr>
-    <a:masterClrMapping/>
-  </p:clrMapOvr>
-  <p:timing>
-    <p:tnLst>
-      <p:par>
-        <p:cTn id="1" dur="indefinite" restart="never" nodeType="tmRoot"/>
-      </p:par>
-    </p:tnLst>
-  </p:timing>
-</p:sld>
-</file>
-
 <file path=ppt/slides/slide19.xml><?xml version="1.0" encoding="utf-8"?>
 <p:sld xmlns:a="http://schemas.openxmlformats.org/drawingml/2006/main" xmlns:r="http://schemas.openxmlformats.org/officeDocument/2006/relationships" xmlns:p="http://schemas.openxmlformats.org/presentationml/2006/main">
   <p:cSld>
@@ -4839,7 +4592,7 @@
       </p:grpSpPr>
       <p:sp>
         <p:nvSpPr>
-          <p:cNvPr id="4" name="Title 3"/>
+          <p:cNvPr id="2" name="Title 1"/>
           <p:cNvSpPr>
             <a:spLocks noGrp="1"/>
           </p:cNvSpPr>
@@ -4847,12 +4600,7 @@
             <p:ph type="title"/>
           </p:nvPr>
         </p:nvSpPr>
-        <p:spPr>
-          <a:xfrm>
-            <a:off x="381000" y="2362200"/>
-            <a:ext cx="8229600" cy="1143000"/>
-          </a:xfrm>
-        </p:spPr>
+        <p:spPr/>
         <p:txBody>
           <a:bodyPr>
             <a:normAutofit/>
@@ -4860,23 +4608,207 @@
           <a:lstStyle/>
           <a:p>
             <a:r>
-              <a:rPr lang="en-US" sz="3600" dirty="0" smtClean="0">
-                <a:latin typeface="Times New Roman" pitchFamily="18" charset="0"/>
-                <a:cs typeface="Times New Roman" pitchFamily="18" charset="0"/>
-              </a:rPr>
-              <a:t>THANKS ALL</a:t>
-            </a:r>
-            <a:endParaRPr lang="en-US" sz="3600" dirty="0">
+              <a:rPr lang="en-US" sz="2800" i="1" dirty="0" smtClean="0">
+                <a:latin typeface="Times New Roman" pitchFamily="18" charset="0"/>
+                <a:cs typeface="Times New Roman" pitchFamily="18" charset="0"/>
+              </a:rPr>
+              <a:t>Conclusion</a:t>
+            </a:r>
+            <a:endParaRPr lang="en-US" sz="2800" i="1" dirty="0">
               <a:latin typeface="Times New Roman" pitchFamily="18" charset="0"/>
               <a:cs typeface="Times New Roman" pitchFamily="18" charset="0"/>
             </a:endParaRPr>
           </a:p>
         </p:txBody>
       </p:sp>
+      <p:sp>
+        <p:nvSpPr>
+          <p:cNvPr id="3" name="Content Placeholder 2"/>
+          <p:cNvSpPr>
+            <a:spLocks noGrp="1"/>
+          </p:cNvSpPr>
+          <p:nvPr>
+            <p:ph idx="1"/>
+          </p:nvPr>
+        </p:nvSpPr>
+        <p:spPr/>
+        <p:txBody>
+          <a:bodyPr>
+            <a:normAutofit/>
+          </a:bodyPr>
+          <a:lstStyle/>
+          <a:p>
+            <a:pPr marL="137160" indent="0">
+              <a:buNone/>
+            </a:pPr>
+            <a:r>
+              <a:rPr lang="en-US" sz="1800" dirty="0" smtClean="0">
+                <a:latin typeface="Times New Roman" pitchFamily="18" charset="0"/>
+                <a:cs typeface="Times New Roman" pitchFamily="18" charset="0"/>
+              </a:rPr>
+              <a:t>	Application </a:t>
+            </a:r>
+            <a:r>
+              <a:rPr lang="en-US" sz="1800" dirty="0">
+                <a:latin typeface="Times New Roman" pitchFamily="18" charset="0"/>
+                <a:cs typeface="Times New Roman" pitchFamily="18" charset="0"/>
+              </a:rPr>
+              <a:t>in Myanmar(AIM) assists </a:t>
+            </a:r>
+            <a:r>
+              <a:rPr lang="en-US" sz="1800" dirty="0" smtClean="0">
+                <a:latin typeface="Times New Roman" pitchFamily="18" charset="0"/>
+                <a:cs typeface="Times New Roman" pitchFamily="18" charset="0"/>
+              </a:rPr>
+              <a:t>in searching the application developed in Myanmar. AIM </a:t>
+            </a:r>
+            <a:r>
+              <a:rPr lang="en-US" sz="1800" dirty="0">
+                <a:latin typeface="Times New Roman" pitchFamily="18" charset="0"/>
+                <a:cs typeface="Times New Roman" pitchFamily="18" charset="0"/>
+              </a:rPr>
+              <a:t>is a </a:t>
+            </a:r>
+            <a:r>
+              <a:rPr lang="en-US" sz="1800" dirty="0" smtClean="0">
+                <a:latin typeface="Times New Roman" pitchFamily="18" charset="0"/>
+                <a:cs typeface="Times New Roman" pitchFamily="18" charset="0"/>
+              </a:rPr>
+              <a:t>web application hosted by Firebase. </a:t>
+            </a:r>
+            <a:r>
+              <a:rPr lang="en-US" sz="1800" dirty="0">
+                <a:latin typeface="Times New Roman" pitchFamily="18" charset="0"/>
+                <a:cs typeface="Times New Roman" pitchFamily="18" charset="0"/>
+              </a:rPr>
+              <a:t>It can be monitored and controlled remotely. It provides accurate information always. </a:t>
+            </a:r>
+            <a:r>
+              <a:rPr lang="en-US" sz="1800" dirty="0" smtClean="0">
+                <a:latin typeface="Times New Roman" pitchFamily="18" charset="0"/>
+                <a:cs typeface="Times New Roman" pitchFamily="18" charset="0"/>
+              </a:rPr>
+              <a:t>This </a:t>
+            </a:r>
+            <a:r>
+              <a:rPr lang="en-US" sz="1800" dirty="0">
+                <a:latin typeface="Times New Roman" pitchFamily="18" charset="0"/>
+                <a:cs typeface="Times New Roman" pitchFamily="18" charset="0"/>
+              </a:rPr>
+              <a:t>application </a:t>
+            </a:r>
+            <a:r>
+              <a:rPr lang="en-US" sz="1800" dirty="0" smtClean="0">
+                <a:latin typeface="Times New Roman" pitchFamily="18" charset="0"/>
+                <a:cs typeface="Times New Roman" pitchFamily="18" charset="0"/>
+              </a:rPr>
+              <a:t> </a:t>
+            </a:r>
+            <a:r>
+              <a:rPr lang="en-US" sz="1800" dirty="0">
+                <a:latin typeface="Times New Roman" pitchFamily="18" charset="0"/>
+                <a:cs typeface="Times New Roman" pitchFamily="18" charset="0"/>
+              </a:rPr>
+              <a:t>gathered </a:t>
+            </a:r>
+            <a:r>
+              <a:rPr lang="en-US" sz="1800" dirty="0" smtClean="0">
+                <a:latin typeface="Times New Roman" pitchFamily="18" charset="0"/>
+                <a:cs typeface="Times New Roman" pitchFamily="18" charset="0"/>
+              </a:rPr>
+              <a:t>details information of apps and </a:t>
+            </a:r>
+            <a:r>
+              <a:rPr lang="en-US" sz="1800" dirty="0">
+                <a:latin typeface="Times New Roman" pitchFamily="18" charset="0"/>
+                <a:cs typeface="Times New Roman" pitchFamily="18" charset="0"/>
+              </a:rPr>
+              <a:t>can be accessed at any time. So it is better to have a Web Based Information system. </a:t>
+            </a:r>
+          </a:p>
+          <a:p>
+            <a:pPr marL="137160" indent="0">
+              <a:buNone/>
+            </a:pPr>
+            <a:r>
+              <a:rPr lang="en-US" sz="1800" dirty="0">
+                <a:latin typeface="Times New Roman" pitchFamily="18" charset="0"/>
+                <a:cs typeface="Times New Roman" pitchFamily="18" charset="0"/>
+              </a:rPr>
+              <a:t>	 The authentication of this system is protected by login form. Therefore, only authorized persons (Admin or Hostel owners) can manage the application  information. Normal users can only see the information.</a:t>
+            </a:r>
+          </a:p>
+          <a:p>
+            <a:pPr marL="137160" indent="0">
+              <a:buNone/>
+            </a:pPr>
+            <a:r>
+              <a:rPr lang="en-US" sz="1800" dirty="0">
+                <a:latin typeface="Times New Roman" pitchFamily="18" charset="0"/>
+                <a:cs typeface="Times New Roman" pitchFamily="18" charset="0"/>
+              </a:rPr>
+              <a:t>	All the user can get the required  information without delay. This system is essential in searching application developed by Myanmar . AIM supports for user-friendly and up-to-date application information. </a:t>
+            </a:r>
+            <a:r>
+              <a:rPr lang="en-US" sz="1800" dirty="0" smtClean="0">
+                <a:latin typeface="Times New Roman" pitchFamily="18" charset="0"/>
+                <a:cs typeface="Times New Roman" pitchFamily="18" charset="0"/>
+              </a:rPr>
+              <a:t>Moreover, with </a:t>
+            </a:r>
+            <a:r>
+              <a:rPr lang="en-US" sz="1800" dirty="0">
+                <a:latin typeface="Times New Roman" pitchFamily="18" charset="0"/>
+                <a:cs typeface="Times New Roman" pitchFamily="18" charset="0"/>
+              </a:rPr>
+              <a:t>the help of this web based app,  not only user  can get the </a:t>
+            </a:r>
+            <a:r>
+              <a:rPr lang="en-US" sz="1800" dirty="0" smtClean="0">
+                <a:latin typeface="Times New Roman" pitchFamily="18" charset="0"/>
+                <a:cs typeface="Times New Roman" pitchFamily="18" charset="0"/>
+              </a:rPr>
+              <a:t>applications </a:t>
+            </a:r>
+            <a:r>
+              <a:rPr lang="en-US" sz="1800" dirty="0">
+                <a:latin typeface="Times New Roman" pitchFamily="18" charset="0"/>
+                <a:cs typeface="Times New Roman" pitchFamily="18" charset="0"/>
+              </a:rPr>
+              <a:t>info </a:t>
+            </a:r>
+            <a:r>
+              <a:rPr lang="en-US" sz="1800" dirty="0" smtClean="0">
+                <a:latin typeface="Times New Roman" pitchFamily="18" charset="0"/>
+                <a:cs typeface="Times New Roman" pitchFamily="18" charset="0"/>
+              </a:rPr>
+              <a:t>in details but </a:t>
+            </a:r>
+            <a:r>
+              <a:rPr lang="en-US" sz="1800" dirty="0">
+                <a:latin typeface="Times New Roman" pitchFamily="18" charset="0"/>
+                <a:cs typeface="Times New Roman" pitchFamily="18" charset="0"/>
+              </a:rPr>
+              <a:t>also the application can easily be </a:t>
+            </a:r>
+            <a:r>
+              <a:rPr lang="en-US" sz="1800" dirty="0" smtClean="0">
+                <a:latin typeface="Times New Roman" pitchFamily="18" charset="0"/>
+                <a:cs typeface="Times New Roman" pitchFamily="18" charset="0"/>
+              </a:rPr>
+              <a:t>downloaded via download link.</a:t>
+            </a:r>
+            <a:endParaRPr lang="en-US" sz="1800" dirty="0">
+              <a:latin typeface="Times New Roman" pitchFamily="18" charset="0"/>
+              <a:cs typeface="Times New Roman" pitchFamily="18" charset="0"/>
+            </a:endParaRPr>
+          </a:p>
+        </p:txBody>
+      </p:sp>
     </p:spTree>
     <p:extLst>
       <p:ext uri="{BB962C8B-B14F-4D97-AF65-F5344CB8AC3E}">
-        <p14:creationId xmlns:p14="http://schemas.microsoft.com/office/powerpoint/2010/main" val="719414904"/>
+        <p14:creationId xmlns:p14="http://schemas.microsoft.com/office/powerpoint/2010/main" val="123218795"/>
       </p:ext>
     </p:extLst>
   </p:cSld>
@@ -4886,88 +4818,9 @@
   <p:timing>
     <p:tnLst>
       <p:par>
-        <p:cTn id="1" dur="indefinite" restart="never" nodeType="tmRoot">
-          <p:childTnLst>
-            <p:seq concurrent="1" nextAc="seek">
-              <p:cTn id="2" dur="indefinite" nodeType="mainSeq">
-                <p:childTnLst>
-                  <p:par>
-                    <p:cTn id="3" fill="hold">
-                      <p:stCondLst>
-                        <p:cond delay="indefinite"/>
-                      </p:stCondLst>
-                      <p:childTnLst>
-                        <p:par>
-                          <p:cTn id="4" fill="hold">
-                            <p:stCondLst>
-                              <p:cond delay="0"/>
-                            </p:stCondLst>
-                            <p:childTnLst>
-                              <p:par>
-                                <p:cTn id="5" presetID="16" presetClass="entr" presetSubtype="21" fill="hold" grpId="0" nodeType="clickEffect">
-                                  <p:stCondLst>
-                                    <p:cond delay="0"/>
-                                  </p:stCondLst>
-                                  <p:childTnLst>
-                                    <p:set>
-                                      <p:cBhvr>
-                                        <p:cTn id="6" dur="1" fill="hold">
-                                          <p:stCondLst>
-                                            <p:cond delay="0"/>
-                                          </p:stCondLst>
-                                        </p:cTn>
-                                        <p:tgtEl>
-                                          <p:spTgt spid="4"/>
-                                        </p:tgtEl>
-                                        <p:attrNameLst>
-                                          <p:attrName>style.visibility</p:attrName>
-                                        </p:attrNameLst>
-                                      </p:cBhvr>
-                                      <p:to>
-                                        <p:strVal val="visible"/>
-                                      </p:to>
-                                    </p:set>
-                                    <p:animEffect transition="in" filter="barn(inVertical)">
-                                      <p:cBhvr>
-                                        <p:cTn id="7" dur="500"/>
-                                        <p:tgtEl>
-                                          <p:spTgt spid="4"/>
-                                        </p:tgtEl>
-                                      </p:cBhvr>
-                                    </p:animEffect>
-                                  </p:childTnLst>
-                                </p:cTn>
-                              </p:par>
-                            </p:childTnLst>
-                          </p:cTn>
-                        </p:par>
-                      </p:childTnLst>
-                    </p:cTn>
-                  </p:par>
-                </p:childTnLst>
-              </p:cTn>
-              <p:prevCondLst>
-                <p:cond evt="onPrev" delay="0">
-                  <p:tgtEl>
-                    <p:sldTgt/>
-                  </p:tgtEl>
-                </p:cond>
-              </p:prevCondLst>
-              <p:nextCondLst>
-                <p:cond evt="onNext" delay="0">
-                  <p:tgtEl>
-                    <p:sldTgt/>
-                  </p:tgtEl>
-                </p:cond>
-              </p:nextCondLst>
-            </p:seq>
-          </p:childTnLst>
-        </p:cTn>
+        <p:cTn id="1" dur="indefinite" restart="never" nodeType="tmRoot"/>
       </p:par>
     </p:tnLst>
-    <p:bldLst>
-      <p:bldP spid="4" grpId="0"/>
-    </p:bldLst>
   </p:timing>
 </p:sld>
 </file>
@@ -5908,6 +5761,158 @@
 </p:sld>
 </file>
 
+<file path=ppt/slides/slide20.xml><?xml version="1.0" encoding="utf-8"?>
+<p:sld xmlns:a="http://schemas.openxmlformats.org/drawingml/2006/main" xmlns:r="http://schemas.openxmlformats.org/officeDocument/2006/relationships" xmlns:p="http://schemas.openxmlformats.org/presentationml/2006/main">
+  <p:cSld>
+    <p:spTree>
+      <p:nvGrpSpPr>
+        <p:cNvPr id="1" name=""/>
+        <p:cNvGrpSpPr/>
+        <p:nvPr/>
+      </p:nvGrpSpPr>
+      <p:grpSpPr>
+        <a:xfrm>
+          <a:off x="0" y="0"/>
+          <a:ext cx="0" cy="0"/>
+          <a:chOff x="0" y="0"/>
+          <a:chExt cx="0" cy="0"/>
+        </a:xfrm>
+      </p:grpSpPr>
+      <p:sp>
+        <p:nvSpPr>
+          <p:cNvPr id="4" name="Title 3"/>
+          <p:cNvSpPr>
+            <a:spLocks noGrp="1"/>
+          </p:cNvSpPr>
+          <p:nvPr>
+            <p:ph type="title"/>
+          </p:nvPr>
+        </p:nvSpPr>
+        <p:spPr>
+          <a:xfrm>
+            <a:off x="381000" y="2362200"/>
+            <a:ext cx="8229600" cy="1143000"/>
+          </a:xfrm>
+        </p:spPr>
+        <p:txBody>
+          <a:bodyPr>
+            <a:normAutofit/>
+          </a:bodyPr>
+          <a:lstStyle/>
+          <a:p>
+            <a:r>
+              <a:rPr lang="en-US" sz="3600" i="1" dirty="0" smtClean="0">
+                <a:latin typeface="Times New Roman" pitchFamily="18" charset="0"/>
+                <a:cs typeface="Times New Roman" pitchFamily="18" charset="0"/>
+              </a:rPr>
+              <a:t>THANKS ALL</a:t>
+            </a:r>
+            <a:endParaRPr lang="en-US" sz="3600" i="1" dirty="0">
+              <a:latin typeface="Times New Roman" pitchFamily="18" charset="0"/>
+              <a:cs typeface="Times New Roman" pitchFamily="18" charset="0"/>
+            </a:endParaRPr>
+          </a:p>
+        </p:txBody>
+      </p:sp>
+    </p:spTree>
+    <p:extLst>
+      <p:ext uri="{BB962C8B-B14F-4D97-AF65-F5344CB8AC3E}">
+        <p14:creationId xmlns:p14="http://schemas.microsoft.com/office/powerpoint/2010/main" val="719414904"/>
+      </p:ext>
+    </p:extLst>
+  </p:cSld>
+  <p:clrMapOvr>
+    <a:masterClrMapping/>
+  </p:clrMapOvr>
+  <p:timing>
+    <p:tnLst>
+      <p:par>
+        <p:cTn id="1" dur="indefinite" restart="never" nodeType="tmRoot">
+          <p:childTnLst>
+            <p:seq concurrent="1" nextAc="seek">
+              <p:cTn id="2" dur="indefinite" nodeType="mainSeq">
+                <p:childTnLst>
+                  <p:par>
+                    <p:cTn id="3" fill="hold">
+                      <p:stCondLst>
+                        <p:cond delay="indefinite"/>
+                      </p:stCondLst>
+                      <p:childTnLst>
+                        <p:par>
+                          <p:cTn id="4" fill="hold">
+                            <p:stCondLst>
+                              <p:cond delay="0"/>
+                            </p:stCondLst>
+                            <p:childTnLst>
+                              <p:par>
+                                <p:cTn id="5" presetID="16" presetClass="entr" presetSubtype="21" fill="hold" grpId="0" nodeType="clickEffect">
+                                  <p:stCondLst>
+                                    <p:cond delay="0"/>
+                                  </p:stCondLst>
+                                  <p:childTnLst>
+                                    <p:set>
+                                      <p:cBhvr>
+                                        <p:cTn id="6" dur="1" fill="hold">
+                                          <p:stCondLst>
+                                            <p:cond delay="0"/>
+                                          </p:stCondLst>
+                                        </p:cTn>
+                                        <p:tgtEl>
+                                          <p:spTgt spid="4"/>
+                                        </p:tgtEl>
+                                        <p:attrNameLst>
+                                          <p:attrName>style.visibility</p:attrName>
+                                        </p:attrNameLst>
+                                      </p:cBhvr>
+                                      <p:to>
+                                        <p:strVal val="visible"/>
+                                      </p:to>
+                                    </p:set>
+                                    <p:animEffect transition="in" filter="barn(inVertical)">
+                                      <p:cBhvr>
+                                        <p:cTn id="7" dur="500"/>
+                                        <p:tgtEl>
+                                          <p:spTgt spid="4"/>
+                                        </p:tgtEl>
+                                      </p:cBhvr>
+                                    </p:animEffect>
+                                  </p:childTnLst>
+                                </p:cTn>
+                              </p:par>
+                            </p:childTnLst>
+                          </p:cTn>
+                        </p:par>
+                      </p:childTnLst>
+                    </p:cTn>
+                  </p:par>
+                </p:childTnLst>
+              </p:cTn>
+              <p:prevCondLst>
+                <p:cond evt="onPrev" delay="0">
+                  <p:tgtEl>
+                    <p:sldTgt/>
+                  </p:tgtEl>
+                </p:cond>
+              </p:prevCondLst>
+              <p:nextCondLst>
+                <p:cond evt="onNext" delay="0">
+                  <p:tgtEl>
+                    <p:sldTgt/>
+                  </p:tgtEl>
+                </p:cond>
+              </p:nextCondLst>
+            </p:seq>
+          </p:childTnLst>
+        </p:cTn>
+      </p:par>
+    </p:tnLst>
+    <p:bldLst>
+      <p:bldP spid="4" grpId="0"/>
+    </p:bldLst>
+  </p:timing>
+</p:sld>
+</file>
+
 <file path=ppt/slides/slide3.xml><?xml version="1.0" encoding="utf-8"?>
 <p:sld xmlns:a="http://schemas.openxmlformats.org/drawingml/2006/main" xmlns:r="http://schemas.openxmlformats.org/officeDocument/2006/relationships" xmlns:p="http://schemas.openxmlformats.org/presentationml/2006/main">
   <p:cSld>
@@ -5948,13 +5953,13 @@
           <a:lstStyle/>
           <a:p>
             <a:r>
-              <a:rPr lang="en-US" sz="2400" dirty="0" smtClean="0">
+              <a:rPr lang="en-US" sz="2800" i="1" dirty="0" smtClean="0">
                 <a:latin typeface="Times New Roman" pitchFamily="18" charset="0"/>
                 <a:cs typeface="Times New Roman" pitchFamily="18" charset="0"/>
               </a:rPr>
               <a:t>Acknowledgement</a:t>
             </a:r>
-            <a:endParaRPr lang="en-US" sz="2400" dirty="0">
+            <a:endParaRPr lang="en-US" sz="2800" i="1" dirty="0">
               <a:latin typeface="Times New Roman" pitchFamily="18" charset="0"/>
               <a:cs typeface="Times New Roman" pitchFamily="18" charset="0"/>
             </a:endParaRPr>
@@ -5973,13 +5978,13 @@
         </p:nvSpPr>
         <p:spPr>
           <a:xfrm>
-            <a:off x="457200" y="990600"/>
-            <a:ext cx="8229600" cy="5638800"/>
+            <a:off x="457200" y="838200"/>
+            <a:ext cx="8229600" cy="5791200"/>
           </a:xfrm>
         </p:spPr>
         <p:txBody>
           <a:bodyPr>
-            <a:normAutofit fontScale="92500" lnSpcReduction="10000"/>
+            <a:normAutofit fontScale="85000" lnSpcReduction="10000"/>
           </a:bodyPr>
           <a:lstStyle/>
           <a:p>
@@ -5990,11 +5995,18 @@
               <a:buNone/>
             </a:pPr>
             <a:r>
+              <a:rPr lang="en-US" sz="1800" dirty="0" smtClean="0">
+                <a:latin typeface="Times New Roman" pitchFamily="18" charset="0"/>
+                <a:cs typeface="Times New Roman" pitchFamily="18" charset="0"/>
+              </a:rPr>
+              <a:t>	First</a:t>
+            </a:r>
+            <a:r>
               <a:rPr lang="en-US" sz="1800" dirty="0">
                 <a:latin typeface="Times New Roman" pitchFamily="18" charset="0"/>
                 <a:cs typeface="Times New Roman" pitchFamily="18" charset="0"/>
               </a:rPr>
-              <a:t>First, We would like to thankful greatly following persons who have contributed directly or indirectly towards the success of this project.</a:t>
+              <a:t>, We would like to thankful greatly following persons who have contributed directly or indirectly towards the success of this project.</a:t>
             </a:r>
           </a:p>
           <a:p>
@@ -6005,11 +6017,18 @@
               <a:buNone/>
             </a:pPr>
             <a:r>
+              <a:rPr lang="en-US" sz="1800" dirty="0" smtClean="0">
+                <a:latin typeface="Times New Roman" pitchFamily="18" charset="0"/>
+                <a:cs typeface="Times New Roman" pitchFamily="18" charset="0"/>
+              </a:rPr>
+              <a:t>	We </a:t>
+            </a:r>
+            <a:r>
               <a:rPr lang="en-US" sz="1800" dirty="0">
                 <a:latin typeface="Times New Roman" pitchFamily="18" charset="0"/>
                 <a:cs typeface="Times New Roman" pitchFamily="18" charset="0"/>
               </a:rPr>
-              <a:t>We would like to respectfully thank U </a:t>
+              <a:t>would like to respectfully thank U </a:t>
             </a:r>
             <a:r>
               <a:rPr lang="en-US" sz="1800" dirty="0" err="1">
@@ -6051,7 +6070,72 @@
                 <a:latin typeface="Times New Roman" pitchFamily="18" charset="0"/>
                 <a:cs typeface="Times New Roman" pitchFamily="18" charset="0"/>
               </a:rPr>
-              <a:t>, Rector of Computer University (Mandalay), for his kind permission to carry out this project, general guidance and workable environment during the period of study.</a:t>
+              <a:t>, Rector of Computer University (Mandalay</a:t>
+            </a:r>
+            <a:r>
+              <a:rPr lang="en-US" sz="1800" dirty="0" smtClean="0">
+                <a:latin typeface="Times New Roman" pitchFamily="18" charset="0"/>
+                <a:cs typeface="Times New Roman" pitchFamily="18" charset="0"/>
+              </a:rPr>
+              <a:t>),</a:t>
+            </a:r>
+            <a:r>
+              <a:rPr lang="en-US" sz="1800" dirty="0"/>
+              <a:t> Dr. San </a:t>
+            </a:r>
+            <a:r>
+              <a:rPr lang="en-US" sz="1800" dirty="0" err="1"/>
+              <a:t>San</a:t>
+            </a:r>
+            <a:r>
+              <a:rPr lang="en-US" sz="1800" dirty="0"/>
+              <a:t> </a:t>
+            </a:r>
+            <a:r>
+              <a:rPr lang="en-US" sz="1800" dirty="0" err="1"/>
+              <a:t>Tin,Pro</a:t>
+            </a:r>
+            <a:r>
+              <a:rPr lang="en-US" sz="1800" dirty="0"/>
+              <a:t> Rector of Computer University(Mandalay), Dr. Aye </a:t>
+            </a:r>
+            <a:r>
+              <a:rPr lang="en-US" sz="1800" dirty="0" err="1"/>
+              <a:t>Aye</a:t>
+            </a:r>
+            <a:r>
+              <a:rPr lang="en-US" sz="1800" dirty="0"/>
+              <a:t> Chaw , and Dr. Mya </a:t>
+            </a:r>
+            <a:r>
+              <a:rPr lang="en-US" sz="1800" dirty="0" err="1"/>
+              <a:t>Thida</a:t>
+            </a:r>
+            <a:r>
+              <a:rPr lang="en-US" sz="1800" dirty="0"/>
+              <a:t> </a:t>
+            </a:r>
+            <a:r>
+              <a:rPr lang="en-US" sz="1800" dirty="0" err="1"/>
+              <a:t>Kyaw</a:t>
+            </a:r>
+            <a:r>
+              <a:rPr lang="en-US" sz="1800" dirty="0"/>
+              <a:t>,</a:t>
+            </a:r>
+            <a:r>
+              <a:rPr lang="en-US" sz="1800" dirty="0" smtClean="0">
+                <a:latin typeface="Times New Roman" pitchFamily="18" charset="0"/>
+                <a:cs typeface="Times New Roman" pitchFamily="18" charset="0"/>
+              </a:rPr>
+              <a:t> </a:t>
+            </a:r>
+            <a:r>
+              <a:rPr lang="en-US" sz="1800" dirty="0">
+                <a:latin typeface="Times New Roman" pitchFamily="18" charset="0"/>
+                <a:cs typeface="Times New Roman" pitchFamily="18" charset="0"/>
+              </a:rPr>
+              <a:t>for his kind permission to carry out this project, general guidance and workable environment during the period of study.</a:t>
             </a:r>
           </a:p>
           <a:p>
@@ -6062,25 +6146,74 @@
               <a:buNone/>
             </a:pPr>
             <a:r>
+              <a:rPr lang="en-US" sz="1800" dirty="0" smtClean="0">
+                <a:latin typeface="Times New Roman" pitchFamily="18" charset="0"/>
+                <a:cs typeface="Times New Roman" pitchFamily="18" charset="0"/>
+              </a:rPr>
+              <a:t>	We </a:t>
+            </a:r>
+            <a:r>
               <a:rPr lang="en-US" sz="1800" dirty="0">
                 <a:latin typeface="Times New Roman" pitchFamily="18" charset="0"/>
                 <a:cs typeface="Times New Roman" pitchFamily="18" charset="0"/>
               </a:rPr>
-              <a:t>We would like to express our Director, U Ravi </a:t>
-            </a:r>
-            <a:r>
-              <a:rPr lang="en-US" sz="1800" dirty="0" err="1">
-                <a:latin typeface="Times New Roman" pitchFamily="18" charset="0"/>
-                <a:cs typeface="Times New Roman" pitchFamily="18" charset="0"/>
-              </a:rPr>
-              <a:t>Chhabra</a:t>
+              <a:t>would like to express our Director, U Ravi </a:t>
+            </a:r>
+            <a:r>
+              <a:rPr lang="en-US" sz="1800" dirty="0" smtClean="0">
+                <a:latin typeface="Times New Roman" pitchFamily="18" charset="0"/>
+                <a:cs typeface="Times New Roman" pitchFamily="18" charset="0"/>
+              </a:rPr>
+              <a:t>Chhabra(</a:t>
+            </a:r>
+            <a:r>
+              <a:rPr lang="en-US" sz="1800" dirty="0" err="1" smtClean="0">
+                <a:latin typeface="Times New Roman" pitchFamily="18" charset="0"/>
+                <a:cs typeface="Times New Roman" pitchFamily="18" charset="0"/>
+              </a:rPr>
+              <a:t>COO,Geo</a:t>
+            </a:r>
+            <a:r>
+              <a:rPr lang="en-US" sz="1800" dirty="0" smtClean="0">
+                <a:latin typeface="Times New Roman" pitchFamily="18" charset="0"/>
+                <a:cs typeface="Times New Roman" pitchFamily="18" charset="0"/>
+              </a:rPr>
+              <a:t> </a:t>
+            </a:r>
+            <a:r>
+              <a:rPr lang="en-US" sz="1800" dirty="0" err="1" smtClean="0">
+                <a:latin typeface="Times New Roman" pitchFamily="18" charset="0"/>
+                <a:cs typeface="Times New Roman" pitchFamily="18" charset="0"/>
+              </a:rPr>
+              <a:t>Mandalar</a:t>
+            </a:r>
+            <a:r>
+              <a:rPr lang="en-US" sz="1800" dirty="0" smtClean="0">
+                <a:latin typeface="Times New Roman" pitchFamily="18" charset="0"/>
+                <a:cs typeface="Times New Roman" pitchFamily="18" charset="0"/>
+              </a:rPr>
+              <a:t> Investment and Technology/CTO, </a:t>
+            </a:r>
+            <a:r>
+              <a:rPr lang="en-US" sz="1800" dirty="0" err="1" smtClean="0">
+                <a:latin typeface="Times New Roman" pitchFamily="18" charset="0"/>
+                <a:cs typeface="Times New Roman" pitchFamily="18" charset="0"/>
+              </a:rPr>
+              <a:t>NovaSteps</a:t>
+            </a:r>
+            <a:r>
+              <a:rPr lang="en-US" sz="1800" dirty="0" smtClean="0">
+                <a:latin typeface="Times New Roman" pitchFamily="18" charset="0"/>
+                <a:cs typeface="Times New Roman" pitchFamily="18" charset="0"/>
+              </a:rPr>
+              <a:t> Technologies), </a:t>
             </a:r>
             <a:r>
               <a:rPr lang="en-US" sz="1800" dirty="0">
                 <a:latin typeface="Times New Roman" pitchFamily="18" charset="0"/>
                 <a:cs typeface="Times New Roman" pitchFamily="18" charset="0"/>
               </a:rPr>
-              <a:t>, Director </a:t>
+              <a:t>Director </a:t>
             </a:r>
             <a:r>
               <a:rPr lang="en-US" sz="1800" dirty="0" smtClean="0">
@@ -6153,6 +6286,38 @@
               </a:rPr>
               <a:t> Win, Lecturer of faculty of Computing , Computer University (Mandalay), for her helpful advice, helpful encouragement numerous invaluable suggestion and comments. </a:t>
             </a:r>
+            <a:r>
+              <a:rPr lang="en-US" sz="1800" dirty="0" smtClean="0">
+                <a:latin typeface="Times New Roman" pitchFamily="18" charset="0"/>
+                <a:cs typeface="Times New Roman" pitchFamily="18" charset="0"/>
+              </a:rPr>
+              <a:t>We </a:t>
+            </a:r>
+            <a:r>
+              <a:rPr lang="en-US" sz="1800" dirty="0">
+                <a:latin typeface="Times New Roman" pitchFamily="18" charset="0"/>
+                <a:cs typeface="Times New Roman" pitchFamily="18" charset="0"/>
+              </a:rPr>
+              <a:t>also great full to all out teachers for Computer </a:t>
+            </a:r>
+            <a:r>
+              <a:rPr lang="en-US" sz="1800" dirty="0" smtClean="0">
+                <a:latin typeface="Times New Roman" pitchFamily="18" charset="0"/>
+                <a:cs typeface="Times New Roman" pitchFamily="18" charset="0"/>
+              </a:rPr>
+              <a:t>University ( </a:t>
+            </a:r>
+            <a:r>
+              <a:rPr lang="en-US" sz="1800" dirty="0">
+                <a:latin typeface="Times New Roman" pitchFamily="18" charset="0"/>
+                <a:cs typeface="Times New Roman" pitchFamily="18" charset="0"/>
+              </a:rPr>
+              <a:t>Mandalay )  who have taught and guided us during the period of study. </a:t>
+            </a:r>
+            <a:endParaRPr lang="en-US" sz="1800" dirty="0" smtClean="0">
+              <a:latin typeface="Times New Roman" pitchFamily="18" charset="0"/>
+              <a:cs typeface="Times New Roman" pitchFamily="18" charset="0"/>
+            </a:endParaRPr>
           </a:p>
           <a:p>
             <a:pPr marL="137160" indent="0">
@@ -6166,22 +6331,21 @@
                 <a:latin typeface="Times New Roman" pitchFamily="18" charset="0"/>
                 <a:cs typeface="Times New Roman" pitchFamily="18" charset="0"/>
               </a:rPr>
-              <a:t>We also great full to all out teachers for Computer University</a:t>
-            </a:r>
-          </a:p>
-          <a:p>
-            <a:pPr marL="137160" indent="0">
-              <a:lnSpc>
-                <a:spcPct val="150000"/>
-              </a:lnSpc>
-              <a:buNone/>
-            </a:pPr>
+              <a:t>	</a:t>
+            </a:r>
+            <a:r>
+              <a:rPr lang="en-US" sz="1800" dirty="0" smtClean="0">
+                <a:latin typeface="Times New Roman" pitchFamily="18" charset="0"/>
+                <a:cs typeface="Times New Roman" pitchFamily="18" charset="0"/>
+              </a:rPr>
+              <a:t>Finally</a:t>
+            </a:r>
             <a:r>
               <a:rPr lang="en-US" sz="1800" dirty="0">
                 <a:latin typeface="Times New Roman" pitchFamily="18" charset="0"/>
                 <a:cs typeface="Times New Roman" pitchFamily="18" charset="0"/>
               </a:rPr>
-              <a:t> ( Mandalay )  who have taught and guided us during the period of study. Finally, we are thankful to our follow members who work together in this project and we also thanks again for the unity.</a:t>
+              <a:t>, we are thankful to our follow members who work together in this project and we also thanks again for the unity.</a:t>
             </a:r>
           </a:p>
           <a:p>
@@ -6529,49 +6693,6 @@
                                   </p:childTnLst>
                                 </p:cTn>
                               </p:par>
-                              <p:par>
-                                <p:cTn id="29" presetID="16" presetClass="entr" presetSubtype="21" fill="hold" nodeType="withEffect">
-                                  <p:stCondLst>
-                                    <p:cond delay="0"/>
-                                  </p:stCondLst>
-                                  <p:childTnLst>
-                                    <p:set>
-                                      <p:cBhvr>
-                                        <p:cTn id="30" dur="1" fill="hold">
-                                          <p:stCondLst>
-                                            <p:cond delay="0"/>
-                                          </p:stCondLst>
-                                        </p:cTn>
-                                        <p:tgtEl>
-                                          <p:spTgt spid="3">
-                                            <p:txEl>
-                                              <p:pRg st="5" end="5"/>
-                                            </p:txEl>
-                                          </p:spTgt>
-                                        </p:tgtEl>
-                                        <p:attrNameLst>
-                                          <p:attrName>style.visibility</p:attrName>
-                                        </p:attrNameLst>
-                                      </p:cBhvr>
-                                      <p:to>
-                                        <p:strVal val="visible"/>
-                                      </p:to>
-                                    </p:set>
-                                    <p:animEffect transition="in" filter="barn(inVertical)">
-                                      <p:cBhvr>
-                                        <p:cTn id="31" dur="500"/>
-                                        <p:tgtEl>
-                                          <p:spTgt spid="3">
-                                            <p:txEl>
-                                              <p:pRg st="5" end="5"/>
-                                            </p:txEl>
-                                          </p:spTgt>
-                                        </p:tgtEl>
-                                      </p:cBhvr>
-                                    </p:animEffect>
-                                  </p:childTnLst>
-                                </p:cTn>
-                              </p:par>
                             </p:childTnLst>
                           </p:cTn>
                         </p:par>
@@ -6641,13 +6762,13 @@
           <a:lstStyle/>
           <a:p>
             <a:r>
-              <a:rPr lang="en-US" sz="2800" dirty="0" smtClean="0">
+              <a:rPr lang="en-US" sz="2800" i="1" dirty="0" smtClean="0">
                 <a:latin typeface="Times New Roman" pitchFamily="18" charset="0"/>
                 <a:cs typeface="Times New Roman" pitchFamily="18" charset="0"/>
               </a:rPr>
               <a:t>Abstract</a:t>
             </a:r>
-            <a:endParaRPr lang="en-US" sz="2800" dirty="0">
+            <a:endParaRPr lang="en-US" sz="2800" i="1" dirty="0">
               <a:latin typeface="Times New Roman" pitchFamily="18" charset="0"/>
               <a:cs typeface="Times New Roman" pitchFamily="18" charset="0"/>
             </a:endParaRPr>
@@ -6664,7 +6785,12 @@
             <p:ph idx="1"/>
           </p:nvPr>
         </p:nvSpPr>
-        <p:spPr/>
+        <p:spPr>
+          <a:xfrm>
+            <a:off x="457200" y="1600200"/>
+            <a:ext cx="8229600" cy="5029200"/>
+          </a:xfrm>
+        </p:spPr>
         <p:txBody>
           <a:bodyPr>
             <a:normAutofit/>
@@ -6679,11 +6805,40 @@
               <a:buChar char="v"/>
             </a:pPr>
             <a:r>
-              <a:rPr lang="en-US" sz="1600" dirty="0" smtClean="0">
-                <a:latin typeface="Times New Roman" pitchFamily="18" charset="0"/>
-                <a:cs typeface="Times New Roman" pitchFamily="18" charset="0"/>
-              </a:rPr>
-              <a:t>Apps in Myanmar are applications which were developed in Burmese Developer</a:t>
+              <a:rPr lang="en-US" sz="1600" dirty="0" smtClean="0"/>
+              <a:t>Apps In Myanmar(AIM) describes </a:t>
+            </a:r>
+            <a:r>
+              <a:rPr lang="en-US" sz="1600" dirty="0"/>
+              <a:t>a search interface to </a:t>
+            </a:r>
+            <a:r>
+              <a:rPr lang="en-US" sz="1600" dirty="0" smtClean="0"/>
+              <a:t>Application information </a:t>
+            </a:r>
+            <a:r>
+              <a:rPr lang="en-US" sz="1600" dirty="0"/>
+              <a:t>and investigates the search result presentation on information finding. By using this system, users can easily search </a:t>
+            </a:r>
+            <a:r>
+              <a:rPr lang="en-US" sz="1600" dirty="0" smtClean="0"/>
+              <a:t>the Applications in Myanmar with detail information. </a:t>
+            </a:r>
+            <a:r>
+              <a:rPr lang="en-US" sz="1600" dirty="0"/>
+              <a:t>This system can reduce time wasting. Users can </a:t>
+            </a:r>
+            <a:r>
+              <a:rPr lang="en-US" sz="1600" dirty="0" smtClean="0"/>
+              <a:t>also know </a:t>
+            </a:r>
+            <a:r>
+              <a:rPr lang="en-US" sz="1600" dirty="0"/>
+              <a:t>the latest </a:t>
+            </a:r>
+            <a:r>
+              <a:rPr lang="en-US" sz="1600" dirty="0" smtClean="0"/>
+              <a:t>Apps and Top Apps.</a:t>
             </a:r>
           </a:p>
           <a:p>
@@ -6699,85 +6854,8 @@
                 <a:latin typeface="Times New Roman" pitchFamily="18" charset="0"/>
                 <a:cs typeface="Times New Roman" pitchFamily="18" charset="0"/>
               </a:rPr>
-              <a:t>Users can easily download in this website</a:t>
-            </a:r>
-          </a:p>
-          <a:p>
-            <a:pPr>
-              <a:lnSpc>
-                <a:spcPct val="150000"/>
-              </a:lnSpc>
-              <a:buFont typeface="Wingdings" pitchFamily="2" charset="2"/>
-              <a:buChar char="v"/>
-            </a:pPr>
-            <a:r>
-              <a:rPr lang="en-US" sz="1600" dirty="0" err="1" smtClean="0">
-                <a:latin typeface="Times New Roman" pitchFamily="18" charset="0"/>
-                <a:cs typeface="Times New Roman" pitchFamily="18" charset="0"/>
-              </a:rPr>
-              <a:t>FrontEnd</a:t>
-            </a:r>
-            <a:r>
-              <a:rPr lang="en-US" sz="1600" dirty="0" smtClean="0">
-                <a:latin typeface="Times New Roman" pitchFamily="18" charset="0"/>
-                <a:cs typeface="Times New Roman" pitchFamily="18" charset="0"/>
-              </a:rPr>
-              <a:t> </a:t>
-            </a:r>
-            <a:r>
-              <a:rPr lang="en-US" sz="1600" dirty="0" err="1" smtClean="0">
-                <a:latin typeface="Times New Roman" pitchFamily="18" charset="0"/>
-                <a:cs typeface="Times New Roman" pitchFamily="18" charset="0"/>
-              </a:rPr>
-              <a:t>Dev</a:t>
-            </a:r>
-            <a:r>
-              <a:rPr lang="en-US" sz="1600" dirty="0" smtClean="0">
-                <a:latin typeface="Times New Roman" pitchFamily="18" charset="0"/>
-                <a:cs typeface="Times New Roman" pitchFamily="18" charset="0"/>
-              </a:rPr>
-              <a:t> and UI Mockups using Material Design ( HTML, CSS, &amp; </a:t>
-            </a:r>
-            <a:r>
-              <a:rPr lang="en-US" sz="1600" dirty="0" err="1" smtClean="0">
-                <a:latin typeface="Times New Roman" pitchFamily="18" charset="0"/>
-                <a:cs typeface="Times New Roman" pitchFamily="18" charset="0"/>
-              </a:rPr>
-              <a:t>Javascript</a:t>
-            </a:r>
-            <a:r>
-              <a:rPr lang="en-US" sz="1600" dirty="0" smtClean="0">
-                <a:latin typeface="Times New Roman" pitchFamily="18" charset="0"/>
-                <a:cs typeface="Times New Roman" pitchFamily="18" charset="0"/>
-              </a:rPr>
-              <a:t> )</a:t>
-            </a:r>
-          </a:p>
-          <a:p>
-            <a:pPr>
-              <a:lnSpc>
-                <a:spcPct val="150000"/>
-              </a:lnSpc>
-              <a:buFont typeface="Wingdings" pitchFamily="2" charset="2"/>
-              <a:buChar char="v"/>
-            </a:pPr>
-            <a:r>
-              <a:rPr lang="en-US" sz="1600" dirty="0" smtClean="0">
-                <a:latin typeface="Times New Roman" pitchFamily="18" charset="0"/>
-                <a:cs typeface="Times New Roman" pitchFamily="18" charset="0"/>
-              </a:rPr>
-              <a:t>These applications were also developed with firebase hosting and database.</a:t>
-            </a:r>
-          </a:p>
-          <a:p>
-            <a:pPr>
-              <a:buFont typeface="Wingdings" pitchFamily="2" charset="2"/>
-              <a:buChar char="v"/>
-            </a:pPr>
-            <a:endParaRPr lang="en-US" sz="1600" dirty="0" smtClean="0">
-              <a:latin typeface="Times New Roman" pitchFamily="18" charset="0"/>
-              <a:cs typeface="Times New Roman" pitchFamily="18" charset="0"/>
-            </a:endParaRPr>
+              <a:t>Moreover, user can download the application as the AIM links with the Google Play Store. So, with the help of this system, user can get about applications in Myanmar in one place. </a:t>
+            </a:r>
           </a:p>
           <a:p>
             <a:pPr>
@@ -7105,250 +7183,6 @@
                       </p:childTnLst>
                     </p:cTn>
                   </p:par>
-                  <p:par>
-                    <p:cTn id="21" fill="hold">
-                      <p:stCondLst>
-                        <p:cond delay="indefinite"/>
-                      </p:stCondLst>
-                      <p:childTnLst>
-                        <p:par>
-                          <p:cTn id="22" fill="hold">
-                            <p:stCondLst>
-                              <p:cond delay="0"/>
-                            </p:stCondLst>
-                            <p:childTnLst>
-                              <p:par>
-                                <p:cTn id="23" presetID="16" presetClass="entr" presetSubtype="21" fill="hold" nodeType="clickEffect">
-                                  <p:stCondLst>
-                                    <p:cond delay="0"/>
-                                  </p:stCondLst>
-                                  <p:childTnLst>
-                                    <p:set>
-                                      <p:cBhvr>
-                                        <p:cTn id="24" dur="1" fill="hold">
-                                          <p:stCondLst>
-                                            <p:cond delay="0"/>
-                                          </p:stCondLst>
-                                        </p:cTn>
-                                        <p:tgtEl>
-                                          <p:spTgt spid="3">
-                                            <p:txEl>
-                                              <p:pRg st="0" end="0"/>
-                                            </p:txEl>
-                                          </p:spTgt>
-                                        </p:tgtEl>
-                                        <p:attrNameLst>
-                                          <p:attrName>style.visibility</p:attrName>
-                                        </p:attrNameLst>
-                                      </p:cBhvr>
-                                      <p:to>
-                                        <p:strVal val="visible"/>
-                                      </p:to>
-                                    </p:set>
-                                    <p:animEffect transition="in" filter="barn(inVertical)">
-                                      <p:cBhvr>
-                                        <p:cTn id="25" dur="500"/>
-                                        <p:tgtEl>
-                                          <p:spTgt spid="3">
-                                            <p:txEl>
-                                              <p:pRg st="0" end="0"/>
-                                            </p:txEl>
-                                          </p:spTgt>
-                                        </p:tgtEl>
-                                      </p:cBhvr>
-                                    </p:animEffect>
-                                  </p:childTnLst>
-                                </p:cTn>
-                              </p:par>
-                            </p:childTnLst>
-                          </p:cTn>
-                        </p:par>
-                      </p:childTnLst>
-                    </p:cTn>
-                  </p:par>
-                  <p:par>
-                    <p:cTn id="26" fill="hold">
-                      <p:stCondLst>
-                        <p:cond delay="indefinite"/>
-                      </p:stCondLst>
-                      <p:childTnLst>
-                        <p:par>
-                          <p:cTn id="27" fill="hold">
-                            <p:stCondLst>
-                              <p:cond delay="0"/>
-                            </p:stCondLst>
-                            <p:childTnLst>
-                              <p:par>
-                                <p:cTn id="28" presetID="16" presetClass="entr" presetSubtype="21" fill="hold" nodeType="clickEffect">
-                                  <p:stCondLst>
-                                    <p:cond delay="0"/>
-                                  </p:stCondLst>
-                                  <p:childTnLst>
-                                    <p:set>
-                                      <p:cBhvr>
-                                        <p:cTn id="29" dur="1" fill="hold">
-                                          <p:stCondLst>
-                                            <p:cond delay="0"/>
-                                          </p:stCondLst>
-                                        </p:cTn>
-                                        <p:tgtEl>
-                                          <p:spTgt spid="3">
-                                            <p:txEl>
-                                              <p:pRg st="1" end="1"/>
-                                            </p:txEl>
-                                          </p:spTgt>
-                                        </p:tgtEl>
-                                        <p:attrNameLst>
-                                          <p:attrName>style.visibility</p:attrName>
-                                        </p:attrNameLst>
-                                      </p:cBhvr>
-                                      <p:to>
-                                        <p:strVal val="visible"/>
-                                      </p:to>
-                                    </p:set>
-                                    <p:animEffect transition="in" filter="barn(inVertical)">
-                                      <p:cBhvr>
-                                        <p:cTn id="30" dur="500"/>
-                                        <p:tgtEl>
-                                          <p:spTgt spid="3">
-                                            <p:txEl>
-                                              <p:pRg st="1" end="1"/>
-                                            </p:txEl>
-                                          </p:spTgt>
-                                        </p:tgtEl>
-                                      </p:cBhvr>
-                                    </p:animEffect>
-                                  </p:childTnLst>
-                                </p:cTn>
-                              </p:par>
-                            </p:childTnLst>
-                          </p:cTn>
-                        </p:par>
-                      </p:childTnLst>
-                    </p:cTn>
-                  </p:par>
-                  <p:par>
-                    <p:cTn id="31" fill="hold">
-                      <p:stCondLst>
-                        <p:cond delay="indefinite"/>
-                      </p:stCondLst>
-                      <p:childTnLst>
-                        <p:par>
-                          <p:cTn id="32" fill="hold">
-                            <p:stCondLst>
-                              <p:cond delay="0"/>
-                            </p:stCondLst>
-                            <p:childTnLst>
-                              <p:par>
-                                <p:cTn id="33" presetID="16" presetClass="entr" presetSubtype="21" fill="hold" nodeType="clickEffect">
-                                  <p:stCondLst>
-                                    <p:cond delay="0"/>
-                                  </p:stCondLst>
-                                  <p:childTnLst>
-                                    <p:set>
-                                      <p:cBhvr>
-                                        <p:cTn id="34" dur="1" fill="hold">
-                                          <p:stCondLst>
-                                            <p:cond delay="0"/>
-                                          </p:stCondLst>
-                                        </p:cTn>
-                                        <p:tgtEl>
-                                          <p:spTgt spid="3">
-                                            <p:txEl>
-                                              <p:pRg st="2" end="2"/>
-                                            </p:txEl>
-                                          </p:spTgt>
-                                        </p:tgtEl>
-                                        <p:attrNameLst>
-                                          <p:attrName>style.visibility</p:attrName>
-                                        </p:attrNameLst>
-                                      </p:cBhvr>
-                                      <p:to>
-                                        <p:strVal val="visible"/>
-                                      </p:to>
-                                    </p:set>
-                                    <p:animEffect transition="in" filter="barn(inVertical)">
-                                      <p:cBhvr>
-                                        <p:cTn id="35" dur="500"/>
-                                        <p:tgtEl>
-                                          <p:spTgt spid="3">
-                                            <p:txEl>
-                                              <p:pRg st="2" end="2"/>
-                                            </p:txEl>
-                                          </p:spTgt>
-                                        </p:tgtEl>
-                                      </p:cBhvr>
-                                    </p:animEffect>
-                                  </p:childTnLst>
-                                </p:cTn>
-                              </p:par>
-                            </p:childTnLst>
-                          </p:cTn>
-                        </p:par>
-                      </p:childTnLst>
-                    </p:cTn>
-                  </p:par>
-                  <p:par>
-                    <p:cTn id="36" fill="hold">
-                      <p:stCondLst>
-                        <p:cond delay="indefinite"/>
-                      </p:stCondLst>
-                      <p:childTnLst>
-                        <p:par>
-                          <p:cTn id="37" fill="hold">
-                            <p:stCondLst>
-                              <p:cond delay="0"/>
-                            </p:stCondLst>
-                            <p:childTnLst>
-                              <p:par>
-                                <p:cTn id="38" presetID="16" presetClass="entr" presetSubtype="21" fill="hold" nodeType="clickEffect">
-                                  <p:stCondLst>
-                                    <p:cond delay="0"/>
-                                  </p:stCondLst>
-                                  <p:childTnLst>
-                                    <p:set>
-                                      <p:cBhvr>
-                                        <p:cTn id="39" dur="1" fill="hold">
-                                          <p:stCondLst>
-                                            <p:cond delay="0"/>
-                                          </p:stCondLst>
-                                        </p:cTn>
-                                        <p:tgtEl>
-                                          <p:spTgt spid="3">
-                                            <p:txEl>
-                                              <p:pRg st="3" end="3"/>
-                                            </p:txEl>
-                                          </p:spTgt>
-                                        </p:tgtEl>
-                                        <p:attrNameLst>
-                                          <p:attrName>style.visibility</p:attrName>
-                                        </p:attrNameLst>
-                                      </p:cBhvr>
-                                      <p:to>
-                                        <p:strVal val="visible"/>
-                                      </p:to>
-                                    </p:set>
-                                    <p:animEffect transition="in" filter="barn(inVertical)">
-                                      <p:cBhvr>
-                                        <p:cTn id="40" dur="500"/>
-                                        <p:tgtEl>
-                                          <p:spTgt spid="3">
-                                            <p:txEl>
-                                              <p:pRg st="3" end="3"/>
-                                            </p:txEl>
-                                          </p:spTgt>
-                                        </p:tgtEl>
-                                      </p:cBhvr>
-                                    </p:animEffect>
-                                  </p:childTnLst>
-                                </p:cTn>
-                              </p:par>
-                            </p:childTnLst>
-                          </p:cTn>
-                        </p:par>
-                      </p:childTnLst>
-                    </p:cTn>
-                  </p:par>
                 </p:childTnLst>
               </p:cTn>
               <p:prevCondLst>
@@ -7412,13 +7246,13 @@
           <a:lstStyle/>
           <a:p>
             <a:r>
-              <a:rPr lang="en-US" sz="2800" dirty="0" smtClean="0">
+              <a:rPr lang="en-US" sz="2800" i="1" dirty="0" smtClean="0">
                 <a:latin typeface="Times New Roman" pitchFamily="18" charset="0"/>
                 <a:cs typeface="Times New Roman" pitchFamily="18" charset="0"/>
               </a:rPr>
               <a:t>Declaration</a:t>
             </a:r>
-            <a:endParaRPr lang="en-US" sz="2800" dirty="0">
+            <a:endParaRPr lang="en-US" sz="2800" i="1" dirty="0">
               <a:latin typeface="Times New Roman" pitchFamily="18" charset="0"/>
               <a:cs typeface="Times New Roman" pitchFamily="18" charset="0"/>
             </a:endParaRPr>
@@ -7491,7 +7325,23 @@
                 <a:latin typeface="Times New Roman" pitchFamily="18" charset="0"/>
                 <a:cs typeface="Times New Roman" pitchFamily="18" charset="0"/>
               </a:rPr>
-              <a:t> We </a:t>
+              <a:t>Most of the applications are shown in this system, not all of application in Myanmar.</a:t>
+            </a:r>
+          </a:p>
+          <a:p>
+            <a:pPr>
+              <a:lnSpc>
+                <a:spcPct val="150000"/>
+              </a:lnSpc>
+              <a:buFont typeface="Wingdings" pitchFamily="2" charset="2"/>
+              <a:buChar char="v"/>
+            </a:pPr>
+            <a:r>
+              <a:rPr lang="en-US" sz="1600" dirty="0" smtClean="0">
+                <a:latin typeface="Times New Roman" pitchFamily="18" charset="0"/>
+                <a:cs typeface="Times New Roman" pitchFamily="18" charset="0"/>
+              </a:rPr>
+              <a:t>We </a:t>
             </a:r>
             <a:r>
               <a:rPr lang="en-US" sz="1600" dirty="0">
@@ -7586,14 +7436,14 @@
           <p:nvPr>
             <p:extLst>
               <p:ext uri="{D42A27DB-BD31-4B8C-83A1-F6EECF244321}">
-                <p14:modId xmlns:p14="http://schemas.microsoft.com/office/powerpoint/2010/main" val="4232199863"/>
+                <p14:modId xmlns:p14="http://schemas.microsoft.com/office/powerpoint/2010/main" val="1511586210"/>
               </p:ext>
             </p:extLst>
           </p:nvPr>
         </p:nvGraphicFramePr>
         <p:xfrm>
-          <a:off x="609600" y="4038600"/>
-          <a:ext cx="7924800" cy="1280160"/>
+          <a:off x="609600" y="4648200"/>
+          <a:ext cx="7924800" cy="1485900"/>
         </p:xfrm>
         <a:graphic>
           <a:graphicData uri="http://schemas.openxmlformats.org/drawingml/2006/table">
@@ -7605,7 +7455,7 @@
                 <a:gridCol w="3962400"/>
                 <a:gridCol w="3962400"/>
               </a:tblGrid>
-              <a:tr h="370840">
+              <a:tr h="183070">
                 <a:tc>
                   <a:txBody>
                     <a:bodyPr/>
@@ -7617,10 +7467,10 @@
                         </a:lnSpc>
                       </a:pPr>
                       <a:r>
-                        <a:rPr lang="en-US" dirty="0" smtClean="0"/>
+                        <a:rPr lang="en-US" sz="1800" dirty="0" smtClean="0"/>
                         <a:t>Project Title</a:t>
                       </a:r>
-                      <a:endParaRPr lang="en-US" dirty="0"/>
+                      <a:endParaRPr lang="en-US" sz="1800" dirty="0"/>
                     </a:p>
                   </a:txBody>
                   <a:tcPr/>
@@ -7631,16 +7481,16 @@
                     <a:lstStyle/>
                     <a:p>
                       <a:r>
-                        <a:rPr lang="en-US" dirty="0" smtClean="0"/>
+                        <a:rPr lang="en-US" sz="1800" dirty="0" smtClean="0"/>
                         <a:t>Apps in Myanmar</a:t>
                       </a:r>
-                      <a:endParaRPr lang="en-US" dirty="0"/>
+                      <a:endParaRPr lang="en-US" sz="1800" dirty="0"/>
                     </a:p>
                   </a:txBody>
                   <a:tcPr/>
                 </a:tc>
               </a:tr>
-              <a:tr h="370840">
+              <a:tr h="914400">
                 <a:tc>
                   <a:txBody>
                     <a:bodyPr/>
@@ -7652,10 +7502,10 @@
                         </a:lnSpc>
                       </a:pPr>
                       <a:r>
-                        <a:rPr lang="en-US" dirty="0" smtClean="0"/>
+                        <a:rPr lang="en-US" sz="1800" dirty="0" smtClean="0"/>
                         <a:t>Project ID</a:t>
                       </a:r>
-                      <a:endParaRPr lang="en-US" dirty="0"/>
+                      <a:endParaRPr lang="en-US" sz="1800" dirty="0"/>
                     </a:p>
                   </a:txBody>
                   <a:tcPr/>
@@ -7666,22 +7516,22 @@
                     <a:lstStyle/>
                     <a:p>
                       <a:r>
-                        <a:rPr lang="en-US" dirty="0" smtClean="0"/>
+                        <a:rPr lang="en-US" sz="1800" dirty="0" smtClean="0"/>
                         <a:t>Geo</a:t>
                       </a:r>
                       <a:r>
-                        <a:rPr lang="en-US" baseline="0" dirty="0" smtClean="0"/>
+                        <a:rPr lang="en-US" sz="1800" baseline="0" dirty="0" smtClean="0"/>
                         <a:t> </a:t>
                       </a:r>
                       <a:r>
-                        <a:rPr lang="en-US" baseline="0" dirty="0" err="1" smtClean="0"/>
+                        <a:rPr lang="en-US" sz="1800" baseline="0" dirty="0" err="1" smtClean="0"/>
                         <a:t>Mandalar</a:t>
                       </a:r>
                       <a:r>
-                        <a:rPr lang="en-US" baseline="0" dirty="0" smtClean="0"/>
+                        <a:rPr lang="en-US" sz="1800" baseline="0" dirty="0" smtClean="0"/>
                         <a:t> Company Internship</a:t>
                       </a:r>
-                      <a:endParaRPr lang="en-US" dirty="0"/>
+                      <a:endParaRPr lang="en-US" sz="1800" dirty="0"/>
                     </a:p>
                   </a:txBody>
                   <a:tcPr/>
@@ -7746,13 +7596,13 @@
           <a:lstStyle/>
           <a:p>
             <a:r>
-              <a:rPr lang="en-US" sz="2800" dirty="0" smtClean="0">
+              <a:rPr lang="en-US" sz="2800" i="1" dirty="0" smtClean="0">
                 <a:latin typeface="Times New Roman" pitchFamily="18" charset="0"/>
                 <a:cs typeface="Times New Roman" pitchFamily="18" charset="0"/>
               </a:rPr>
               <a:t>Objectives</a:t>
             </a:r>
-            <a:endParaRPr lang="en-US" sz="2800" dirty="0">
+            <a:endParaRPr lang="en-US" sz="2800" i="1" dirty="0">
               <a:latin typeface="Times New Roman" pitchFamily="18" charset="0"/>
               <a:cs typeface="Times New Roman" pitchFamily="18" charset="0"/>
             </a:endParaRPr>
@@ -7788,7 +7638,21 @@
                 <a:latin typeface="Times New Roman" pitchFamily="18" charset="0"/>
                 <a:cs typeface="Times New Roman" pitchFamily="18" charset="0"/>
               </a:rPr>
-              <a:t>To easy download applications in Myanmar in same place</a:t>
+              <a:t>To </a:t>
+            </a:r>
+            <a:r>
+              <a:rPr lang="en-US" sz="1800" dirty="0">
+                <a:latin typeface="Times New Roman" pitchFamily="18" charset="0"/>
+                <a:cs typeface="Times New Roman" pitchFamily="18" charset="0"/>
+              </a:rPr>
+              <a:t>avoid time consuming </a:t>
+            </a:r>
+            <a:r>
+              <a:rPr lang="en-US" sz="1800" dirty="0" smtClean="0">
+                <a:latin typeface="Times New Roman" pitchFamily="18" charset="0"/>
+                <a:cs typeface="Times New Roman" pitchFamily="18" charset="0"/>
+              </a:rPr>
+              <a:t>problem</a:t>
             </a:r>
           </a:p>
           <a:p>
@@ -7804,8 +7668,85 @@
                 <a:latin typeface="Times New Roman" pitchFamily="18" charset="0"/>
                 <a:cs typeface="Times New Roman" pitchFamily="18" charset="0"/>
               </a:rPr>
-              <a:t>To understand the user about apps information without confusing </a:t>
-            </a:r>
+              <a:t>To improve search </a:t>
+            </a:r>
+            <a:r>
+              <a:rPr lang="en-US" sz="1800" dirty="0" smtClean="0">
+                <a:latin typeface="Times New Roman" pitchFamily="18" charset="0"/>
+                <a:cs typeface="Times New Roman" pitchFamily="18" charset="0"/>
+              </a:rPr>
+              <a:t>performance</a:t>
+            </a:r>
+          </a:p>
+          <a:p>
+            <a:pPr>
+              <a:lnSpc>
+                <a:spcPct val="150000"/>
+              </a:lnSpc>
+              <a:buFont typeface="Wingdings" pitchFamily="2" charset="2"/>
+              <a:buChar char="v"/>
+            </a:pPr>
+            <a:r>
+              <a:rPr lang="en-US" sz="1800" dirty="0">
+                <a:latin typeface="Times New Roman" pitchFamily="18" charset="0"/>
+                <a:cs typeface="Times New Roman" pitchFamily="18" charset="0"/>
+              </a:rPr>
+              <a:t>To offer  useful information for </a:t>
+            </a:r>
+            <a:r>
+              <a:rPr lang="en-US" sz="1800" dirty="0" smtClean="0">
+                <a:latin typeface="Times New Roman" pitchFamily="18" charset="0"/>
+                <a:cs typeface="Times New Roman" pitchFamily="18" charset="0"/>
+              </a:rPr>
+              <a:t>user</a:t>
+            </a:r>
+          </a:p>
+          <a:p>
+            <a:pPr>
+              <a:lnSpc>
+                <a:spcPct val="150000"/>
+              </a:lnSpc>
+              <a:buFont typeface="Wingdings" pitchFamily="2" charset="2"/>
+              <a:buChar char="v"/>
+            </a:pPr>
+            <a:r>
+              <a:rPr lang="en-US" sz="1800" dirty="0">
+                <a:latin typeface="Times New Roman" pitchFamily="18" charset="0"/>
+                <a:cs typeface="Times New Roman" pitchFamily="18" charset="0"/>
+              </a:rPr>
+              <a:t>To use available anytime, </a:t>
+            </a:r>
+            <a:r>
+              <a:rPr lang="en-US" sz="1800" dirty="0" smtClean="0">
+                <a:latin typeface="Times New Roman" pitchFamily="18" charset="0"/>
+                <a:cs typeface="Times New Roman" pitchFamily="18" charset="0"/>
+              </a:rPr>
+              <a:t>anywhere</a:t>
+            </a:r>
+          </a:p>
+          <a:p>
+            <a:pPr>
+              <a:lnSpc>
+                <a:spcPct val="150000"/>
+              </a:lnSpc>
+              <a:buFont typeface="Wingdings" pitchFamily="2" charset="2"/>
+              <a:buChar char="v"/>
+            </a:pPr>
+            <a:r>
+              <a:rPr lang="en-US" sz="1800" dirty="0">
+                <a:latin typeface="Times New Roman" pitchFamily="18" charset="0"/>
+                <a:cs typeface="Times New Roman" pitchFamily="18" charset="0"/>
+              </a:rPr>
+              <a:t>To </a:t>
+            </a:r>
+            <a:r>
+              <a:rPr lang="en-US" sz="1800" dirty="0" smtClean="0">
+                <a:latin typeface="Times New Roman" pitchFamily="18" charset="0"/>
+                <a:cs typeface="Times New Roman" pitchFamily="18" charset="0"/>
+              </a:rPr>
+              <a:t>be easy to download the application that the user would like to use in one place</a:t>
+            </a:r>
+            <a:endParaRPr lang="en-US" sz="1800" dirty="0"/>
           </a:p>
           <a:p>
             <a:pPr marL="137160" indent="0">
@@ -8276,13 +8217,13 @@
           <a:lstStyle/>
           <a:p>
             <a:r>
-              <a:rPr lang="en-US" sz="2800" dirty="0" smtClean="0">
+              <a:rPr lang="en-US" sz="2800" i="1" dirty="0" smtClean="0">
                 <a:latin typeface="Times New Roman" pitchFamily="18" charset="0"/>
                 <a:cs typeface="Times New Roman" pitchFamily="18" charset="0"/>
               </a:rPr>
               <a:t>Description</a:t>
             </a:r>
-            <a:endParaRPr lang="en-US" sz="2800" dirty="0">
+            <a:endParaRPr lang="en-US" sz="2800" i="1" dirty="0">
               <a:latin typeface="Times New Roman" pitchFamily="18" charset="0"/>
               <a:cs typeface="Times New Roman" pitchFamily="18" charset="0"/>
             </a:endParaRPr>
@@ -8313,26 +8254,114 @@
               <a:buNone/>
             </a:pPr>
             <a:r>
+              <a:rPr lang="en-US" sz="1600" dirty="0" smtClean="0">
+                <a:latin typeface="Times New Roman" pitchFamily="18" charset="0"/>
+                <a:cs typeface="Times New Roman" pitchFamily="18" charset="0"/>
+              </a:rPr>
+              <a:t>Apps </a:t>
+            </a:r>
+            <a:r>
               <a:rPr lang="en-US" sz="1600" dirty="0">
                 <a:latin typeface="Times New Roman" pitchFamily="18" charset="0"/>
                 <a:cs typeface="Times New Roman" pitchFamily="18" charset="0"/>
               </a:rPr>
-              <a:t>Application in Myanmar (AIM) is a web application. Application in Myanmar (AIM) is the useful application for user in IT fields. AIM provides the information for application developed in Myanmar. It describes all kinds of application details- Updated date, Size, Installs, Current Version, Requires Android, Offered By and Developer. This system also links with Google Play-store. So, if you want to download the app you want, you can download the app directly. That is why it also performs the third party web site. It has the various user feedback notifications to the admin and can update user's requirement on this system. It can provide user for more accurate information and more effective valuation of the time consuming and cost. It must keep the up-to-date records of all the applications in Myanmar. It can reduce storage size in traditional way. This system is implemented by using HTML, CSS, </a:t>
-            </a:r>
-            <a:r>
-              <a:rPr lang="en-US" sz="1600" smtClean="0">
-                <a:latin typeface="Times New Roman" pitchFamily="18" charset="0"/>
-                <a:cs typeface="Times New Roman" pitchFamily="18" charset="0"/>
-              </a:rPr>
-              <a:t>Javascript</a:t>
+              <a:t>in Myanmar (AIM) is a web application. </a:t>
+            </a:r>
+            <a:r>
+              <a:rPr lang="en-US" sz="1600" dirty="0" smtClean="0">
+                <a:latin typeface="Times New Roman" pitchFamily="18" charset="0"/>
+                <a:cs typeface="Times New Roman" pitchFamily="18" charset="0"/>
+              </a:rPr>
+              <a:t>Apps </a:t>
             </a:r>
             <a:r>
               <a:rPr lang="en-US" sz="1600" dirty="0">
                 <a:latin typeface="Times New Roman" pitchFamily="18" charset="0"/>
                 <a:cs typeface="Times New Roman" pitchFamily="18" charset="0"/>
               </a:rPr>
-              <a:t>, firebase authentication and firebase database.</a:t>
-            </a:r>
+              <a:t>in </a:t>
+            </a:r>
+            <a:r>
+              <a:rPr lang="en-US" sz="1600" dirty="0" smtClean="0">
+                <a:latin typeface="Times New Roman" pitchFamily="18" charset="0"/>
+                <a:cs typeface="Times New Roman" pitchFamily="18" charset="0"/>
+              </a:rPr>
+              <a:t>Myanmar. </a:t>
+            </a:r>
+            <a:r>
+              <a:rPr lang="en-US" sz="1600" dirty="0">
+                <a:latin typeface="Times New Roman" pitchFamily="18" charset="0"/>
+                <a:cs typeface="Times New Roman" pitchFamily="18" charset="0"/>
+              </a:rPr>
+              <a:t>(AIM) is the useful application for </a:t>
+            </a:r>
+            <a:r>
+              <a:rPr lang="en-US" sz="1600" dirty="0" smtClean="0">
+                <a:latin typeface="Times New Roman" pitchFamily="18" charset="0"/>
+                <a:cs typeface="Times New Roman" pitchFamily="18" charset="0"/>
+              </a:rPr>
+              <a:t>the users who would like to know the Myanmar Apps and download them to use. </a:t>
+            </a:r>
+            <a:r>
+              <a:rPr lang="en-US" sz="1600" dirty="0">
+                <a:latin typeface="Times New Roman" pitchFamily="18" charset="0"/>
+                <a:cs typeface="Times New Roman" pitchFamily="18" charset="0"/>
+              </a:rPr>
+              <a:t>AIM provides the information for application developed in Myanmar. It describes all kinds of application details- Updated date, Size, Installs, Current Version, Requires Android, Offered By and Developer. This system also links with Google Play-store. So, if you want to download the app you want, you can download the app </a:t>
+            </a:r>
+            <a:r>
+              <a:rPr lang="en-US" sz="1600" dirty="0" smtClean="0">
+                <a:latin typeface="Times New Roman" pitchFamily="18" charset="0"/>
+                <a:cs typeface="Times New Roman" pitchFamily="18" charset="0"/>
+              </a:rPr>
+              <a:t>with the help of AIM. </a:t>
+            </a:r>
+            <a:r>
+              <a:rPr lang="en-US" sz="1600" dirty="0">
+                <a:latin typeface="Times New Roman" pitchFamily="18" charset="0"/>
+                <a:cs typeface="Times New Roman" pitchFamily="18" charset="0"/>
+              </a:rPr>
+              <a:t>That is why it also performs the third party web site. It has the various user feedback notifications to the admin and can update user's requirement on this system. It can provide user for more accurate information and more effective valuation of the time consuming and cost. It must keep the up-to-date records of all the applications in Myanmar. It can reduce storage size in traditional </a:t>
+            </a:r>
+            <a:r>
+              <a:rPr lang="en-US" sz="1600" dirty="0" smtClean="0">
+                <a:latin typeface="Times New Roman" pitchFamily="18" charset="0"/>
+                <a:cs typeface="Times New Roman" pitchFamily="18" charset="0"/>
+              </a:rPr>
+              <a:t>way</a:t>
+            </a:r>
+            <a:r>
+              <a:rPr lang="en-US" sz="1600" dirty="0">
+                <a:latin typeface="Times New Roman" pitchFamily="18" charset="0"/>
+                <a:cs typeface="Times New Roman" pitchFamily="18" charset="0"/>
+              </a:rPr>
+              <a:t>. This system is implemented by using HTML, CSS, </a:t>
+            </a:r>
+            <a:r>
+              <a:rPr lang="en-US" sz="1600" dirty="0" smtClean="0">
+                <a:latin typeface="Times New Roman" pitchFamily="18" charset="0"/>
+                <a:cs typeface="Times New Roman" pitchFamily="18" charset="0"/>
+              </a:rPr>
+              <a:t>Java script</a:t>
+            </a:r>
+            <a:r>
+              <a:rPr lang="en-US" sz="1600" dirty="0">
+                <a:latin typeface="Times New Roman" pitchFamily="18" charset="0"/>
+                <a:cs typeface="Times New Roman" pitchFamily="18" charset="0"/>
+              </a:rPr>
+              <a:t>, </a:t>
+            </a:r>
+            <a:r>
+              <a:rPr lang="en-US" sz="1600" dirty="0" smtClean="0">
+                <a:latin typeface="Times New Roman" pitchFamily="18" charset="0"/>
+                <a:cs typeface="Times New Roman" pitchFamily="18" charset="0"/>
+              </a:rPr>
+              <a:t>and Firebase.</a:t>
+            </a:r>
+            <a:endParaRPr lang="en-US" sz="1600" dirty="0">
+              <a:latin typeface="Times New Roman" pitchFamily="18" charset="0"/>
+              <a:cs typeface="Times New Roman" pitchFamily="18" charset="0"/>
+            </a:endParaRPr>
           </a:p>
           <a:p>
             <a:pPr marL="137160" indent="0">
@@ -8387,7 +8416,7 @@
       </p:grpSpPr>
       <p:sp>
         <p:nvSpPr>
-          <p:cNvPr id="46" name="Rectangle 43"/>
+          <p:cNvPr id="34" name="Rectangle 34"/>
           <p:cNvSpPr>
             <a:spLocks noChangeArrowheads="1"/>
           </p:cNvSpPr>
@@ -8395,8 +8424,8 @@
         </p:nvSpPr>
         <p:spPr bwMode="auto">
           <a:xfrm>
-            <a:off x="0" y="0"/>
-            <a:ext cx="9144000" cy="457200"/>
+            <a:off x="2" y="43935"/>
+            <a:ext cx="184731" cy="369332"/>
           </a:xfrm>
           <a:prstGeom prst="rect">
             <a:avLst/>
@@ -8448,31 +8477,18 @@
           </a:p>
         </p:txBody>
       </p:sp>
-      <p:pic>
-        <p:nvPicPr>
-          <p:cNvPr id="48" name="Picture 2"/>
-          <p:cNvPicPr>
-            <a:picLocks noChangeAspect="1" noChangeArrowheads="1"/>
-          </p:cNvPicPr>
+      <p:sp>
+        <p:nvSpPr>
+          <p:cNvPr id="73" name="Rectangle 83"/>
+          <p:cNvSpPr>
+            <a:spLocks noChangeArrowheads="1"/>
+          </p:cNvSpPr>
           <p:nvPr/>
-        </p:nvPicPr>
-        <p:blipFill>
-          <a:blip r:embed="rId2">
-            <a:extLst>
-              <a:ext uri="{28A0092B-C50C-407E-A947-70E740481C1C}">
-                <a14:useLocalDpi xmlns:a14="http://schemas.microsoft.com/office/drawing/2010/main" val="0"/>
-              </a:ext>
-            </a:extLst>
-          </a:blip>
-          <a:srcRect/>
-          <a:stretch>
-            <a:fillRect/>
-          </a:stretch>
-        </p:blipFill>
+        </p:nvSpPr>
         <p:spPr bwMode="auto">
           <a:xfrm>
-            <a:off x="1143000" y="0"/>
-            <a:ext cx="7239000" cy="6781800"/>
+            <a:off x="2" y="43935"/>
+            <a:ext cx="184731" cy="369332"/>
           </a:xfrm>
           <a:prstGeom prst="rect">
             <a:avLst/>
@@ -8508,6 +8524,165 @@
                   </a:outerShdw>
                 </a:effectLst>
               </a14:hiddenEffects>
+            </a:ext>
+          </a:extLst>
+        </p:spPr>
+        <p:txBody>
+          <a:bodyPr vert="horz" wrap="none" lIns="91440" tIns="45720" rIns="91440" bIns="45720" numCol="1" anchor="ctr" anchorCtr="0" compatLnSpc="1">
+            <a:prstTxWarp prst="textNoShape">
+              <a:avLst/>
+            </a:prstTxWarp>
+            <a:spAutoFit/>
+          </a:bodyPr>
+          <a:lstStyle/>
+          <a:p>
+            <a:endParaRPr lang="en-US"/>
+          </a:p>
+        </p:txBody>
+      </p:sp>
+      <p:sp>
+        <p:nvSpPr>
+          <p:cNvPr id="108" name="Rectangle 132"/>
+          <p:cNvSpPr>
+            <a:spLocks noChangeArrowheads="1"/>
+          </p:cNvSpPr>
+          <p:nvPr/>
+        </p:nvSpPr>
+        <p:spPr bwMode="auto">
+          <a:xfrm>
+            <a:off x="2" y="43935"/>
+            <a:ext cx="184731" cy="369332"/>
+          </a:xfrm>
+          <a:prstGeom prst="rect">
+            <a:avLst/>
+          </a:prstGeom>
+          <a:noFill/>
+          <a:ln>
+            <a:noFill/>
+          </a:ln>
+          <a:effectLst/>
+          <a:extLst>
+            <a:ext uri="{909E8E84-426E-40DD-AFC4-6F175D3DCCD1}">
+              <a14:hiddenFill xmlns:a14="http://schemas.microsoft.com/office/drawing/2010/main">
+                <a:solidFill>
+                  <a:schemeClr val="accent1"/>
+                </a:solidFill>
+              </a14:hiddenFill>
+            </a:ext>
+            <a:ext uri="{91240B29-F687-4F45-9708-019B960494DF}">
+              <a14:hiddenLine xmlns:a14="http://schemas.microsoft.com/office/drawing/2010/main" w="9525">
+                <a:solidFill>
+                  <a:schemeClr val="tx1"/>
+                </a:solidFill>
+                <a:miter lim="800000"/>
+                <a:headEnd/>
+                <a:tailEnd/>
+              </a14:hiddenLine>
+            </a:ext>
+            <a:ext uri="{AF507438-7753-43E0-B8FC-AC1667EBCBE1}">
+              <a14:hiddenEffects xmlns:a14="http://schemas.microsoft.com/office/drawing/2010/main">
+                <a:effectLst>
+                  <a:outerShdw dist="35921" dir="2700000" algn="ctr" rotWithShape="0">
+                    <a:schemeClr val="bg2"/>
+                  </a:outerShdw>
+                </a:effectLst>
+              </a14:hiddenEffects>
+            </a:ext>
+          </a:extLst>
+        </p:spPr>
+        <p:txBody>
+          <a:bodyPr vert="horz" wrap="none" lIns="91440" tIns="45720" rIns="91440" bIns="45720" numCol="1" anchor="ctr" anchorCtr="0" compatLnSpc="1">
+            <a:prstTxWarp prst="textNoShape">
+              <a:avLst/>
+            </a:prstTxWarp>
+            <a:spAutoFit/>
+          </a:bodyPr>
+          <a:lstStyle/>
+          <a:p>
+            <a:endParaRPr lang="en-US"/>
+          </a:p>
+        </p:txBody>
+      </p:sp>
+      <p:sp>
+        <p:nvSpPr>
+          <p:cNvPr id="118" name="Title 117"/>
+          <p:cNvSpPr>
+            <a:spLocks noGrp="1"/>
+          </p:cNvSpPr>
+          <p:nvPr>
+            <p:ph type="title"/>
+          </p:nvPr>
+        </p:nvSpPr>
+        <p:spPr>
+          <a:xfrm>
+            <a:off x="184733" y="-188888"/>
+            <a:ext cx="8273468" cy="602155"/>
+          </a:xfrm>
+        </p:spPr>
+        <p:txBody>
+          <a:bodyPr>
+            <a:normAutofit/>
+          </a:bodyPr>
+          <a:lstStyle/>
+          <a:p>
+            <a:r>
+              <a:rPr lang="en-US" sz="2000" i="1" dirty="0" smtClean="0"/>
+              <a:t>Flow Chart For Apps In Myanmar</a:t>
+            </a:r>
+            <a:endParaRPr lang="en-US" sz="2000" i="1" dirty="0"/>
+          </a:p>
+        </p:txBody>
+      </p:sp>
+      <p:pic>
+        <p:nvPicPr>
+          <p:cNvPr id="2202" name="Picture 154"/>
+          <p:cNvPicPr>
+            <a:picLocks noChangeAspect="1" noChangeArrowheads="1"/>
+          </p:cNvPicPr>
+          <p:nvPr/>
+        </p:nvPicPr>
+        <p:blipFill>
+          <a:blip r:embed="rId2">
+            <a:extLst>
+              <a:ext uri="{28A0092B-C50C-407E-A947-70E740481C1C}">
+                <a14:useLocalDpi xmlns:a14="http://schemas.microsoft.com/office/drawing/2010/main" val="0"/>
+              </a:ext>
+            </a:extLst>
+          </a:blip>
+          <a:srcRect/>
+          <a:stretch>
+            <a:fillRect/>
+          </a:stretch>
+        </p:blipFill>
+        <p:spPr bwMode="auto">
+          <a:xfrm>
+            <a:off x="1662113" y="413267"/>
+            <a:ext cx="5818187" cy="6423025"/>
+          </a:xfrm>
+          <a:prstGeom prst="rect">
+            <a:avLst/>
+          </a:prstGeom>
+          <a:noFill/>
+          <a:ln>
+            <a:noFill/>
+          </a:ln>
+          <a:extLst>
+            <a:ext uri="{909E8E84-426E-40DD-AFC4-6F175D3DCCD1}">
+              <a14:hiddenFill xmlns:a14="http://schemas.microsoft.com/office/drawing/2010/main">
+                <a:solidFill>
+                  <a:schemeClr val="accent1"/>
+                </a:solidFill>
+              </a14:hiddenFill>
+            </a:ext>
+            <a:ext uri="{91240B29-F687-4F45-9708-019B960494DF}">
+              <a14:hiddenLine xmlns:a14="http://schemas.microsoft.com/office/drawing/2010/main" w="9525">
+                <a:solidFill>
+                  <a:schemeClr val="tx1"/>
+                </a:solidFill>
+                <a:miter lim="800000"/>
+                <a:headEnd/>
+                <a:tailEnd/>
+              </a14:hiddenLine>
             </a:ext>
           </a:extLst>
         </p:spPr>
